--- a/DevFest Jetpack Compose.pptx
+++ b/DevFest Jetpack Compose.pptx
@@ -803,7 +803,7 @@
   <p:cSld>
     <p:spTree>
       <p:nvGrpSpPr>
-        <p:cNvPr id="549" name="Shape 549"/>
+        <p:cNvPr id="550" name="Shape 550"/>
         <p:cNvGrpSpPr/>
         <p:nvPr/>
       </p:nvGrpSpPr>
@@ -817,7 +817,7 @@
       </p:grpSpPr>
       <p:sp>
         <p:nvSpPr>
-          <p:cNvPr id="550" name="Google Shape;550;g102ec00de5a_1_17:notes"/>
+          <p:cNvPr id="551" name="Google Shape;551;g102ec00de5a_1_17:notes"/>
           <p:cNvSpPr/>
           <p:nvPr>
             <p:ph idx="2" type="sldImg"/>
@@ -852,7 +852,7 @@
       </p:sp>
       <p:sp>
         <p:nvSpPr>
-          <p:cNvPr id="551" name="Google Shape;551;g102ec00de5a_1_17:notes"/>
+          <p:cNvPr id="552" name="Google Shape;552;g102ec00de5a_1_17:notes"/>
           <p:cNvSpPr txBox="1"/>
           <p:nvPr>
             <p:ph idx="1" type="body"/>
@@ -919,7 +919,7 @@
   <p:cSld>
     <p:spTree>
       <p:nvGrpSpPr>
-        <p:cNvPr id="559" name="Shape 559"/>
+        <p:cNvPr id="560" name="Shape 560"/>
         <p:cNvGrpSpPr/>
         <p:nvPr/>
       </p:nvGrpSpPr>
@@ -933,7 +933,7 @@
       </p:grpSpPr>
       <p:sp>
         <p:nvSpPr>
-          <p:cNvPr id="560" name="Google Shape;560;g102ec00de5a_1_27:notes"/>
+          <p:cNvPr id="561" name="Google Shape;561;g102ec00de5a_1_27:notes"/>
           <p:cNvSpPr/>
           <p:nvPr>
             <p:ph idx="2" type="sldImg"/>
@@ -968,7 +968,7 @@
       </p:sp>
       <p:sp>
         <p:nvSpPr>
-          <p:cNvPr id="561" name="Google Shape;561;g102ec00de5a_1_27:notes"/>
+          <p:cNvPr id="562" name="Google Shape;562;g102ec00de5a_1_27:notes"/>
           <p:cNvSpPr txBox="1"/>
           <p:nvPr>
             <p:ph idx="1" type="body"/>
@@ -1035,7 +1035,7 @@
   <p:cSld>
     <p:spTree>
       <p:nvGrpSpPr>
-        <p:cNvPr id="569" name="Shape 569"/>
+        <p:cNvPr id="570" name="Shape 570"/>
         <p:cNvGrpSpPr/>
         <p:nvPr/>
       </p:nvGrpSpPr>
@@ -1049,7 +1049,7 @@
       </p:grpSpPr>
       <p:sp>
         <p:nvSpPr>
-          <p:cNvPr id="570" name="Google Shape;570;g104970157aa_0_0:notes"/>
+          <p:cNvPr id="571" name="Google Shape;571;g104970157aa_0_0:notes"/>
           <p:cNvSpPr/>
           <p:nvPr>
             <p:ph idx="2" type="sldImg"/>
@@ -1084,7 +1084,7 @@
       </p:sp>
       <p:sp>
         <p:nvSpPr>
-          <p:cNvPr id="571" name="Google Shape;571;g104970157aa_0_0:notes"/>
+          <p:cNvPr id="572" name="Google Shape;572;g104970157aa_0_0:notes"/>
           <p:cNvSpPr txBox="1"/>
           <p:nvPr>
             <p:ph idx="1" type="body"/>
@@ -1134,7 +1134,7 @@
   <p:cSld>
     <p:spTree>
       <p:nvGrpSpPr>
-        <p:cNvPr id="579" name="Shape 579"/>
+        <p:cNvPr id="580" name="Shape 580"/>
         <p:cNvGrpSpPr/>
         <p:nvPr/>
       </p:nvGrpSpPr>
@@ -1148,7 +1148,7 @@
       </p:grpSpPr>
       <p:sp>
         <p:nvSpPr>
-          <p:cNvPr id="580" name="Google Shape;580;g104970157aa_0_21:notes"/>
+          <p:cNvPr id="581" name="Google Shape;581;g104970157aa_0_21:notes"/>
           <p:cNvSpPr/>
           <p:nvPr>
             <p:ph idx="2" type="sldImg"/>
@@ -1183,7 +1183,7 @@
       </p:sp>
       <p:sp>
         <p:nvSpPr>
-          <p:cNvPr id="581" name="Google Shape;581;g104970157aa_0_21:notes"/>
+          <p:cNvPr id="582" name="Google Shape;582;g104970157aa_0_21:notes"/>
           <p:cNvSpPr txBox="1"/>
           <p:nvPr>
             <p:ph idx="1" type="body"/>
@@ -1233,7 +1233,7 @@
   <p:cSld>
     <p:spTree>
       <p:nvGrpSpPr>
-        <p:cNvPr id="588" name="Shape 588"/>
+        <p:cNvPr id="590" name="Shape 590"/>
         <p:cNvGrpSpPr/>
         <p:nvPr/>
       </p:nvGrpSpPr>
@@ -1247,7 +1247,7 @@
       </p:grpSpPr>
       <p:sp>
         <p:nvSpPr>
-          <p:cNvPr id="589" name="Google Shape;589;g104925e6225_2_58:notes"/>
+          <p:cNvPr id="591" name="Google Shape;591;g104925e6225_2_58:notes"/>
           <p:cNvSpPr/>
           <p:nvPr>
             <p:ph idx="2" type="sldImg"/>
@@ -1282,7 +1282,7 @@
       </p:sp>
       <p:sp>
         <p:nvSpPr>
-          <p:cNvPr id="590" name="Google Shape;590;g104925e6225_2_58:notes"/>
+          <p:cNvPr id="592" name="Google Shape;592;g104925e6225_2_58:notes"/>
           <p:cNvSpPr txBox="1"/>
           <p:nvPr>
             <p:ph idx="1" type="body"/>
@@ -1332,7 +1332,7 @@
   <p:cSld>
     <p:spTree>
       <p:nvGrpSpPr>
-        <p:cNvPr id="597" name="Shape 597"/>
+        <p:cNvPr id="600" name="Shape 600"/>
         <p:cNvGrpSpPr/>
         <p:nvPr/>
       </p:nvGrpSpPr>
@@ -1346,7 +1346,7 @@
       </p:grpSpPr>
       <p:sp>
         <p:nvSpPr>
-          <p:cNvPr id="598" name="Google Shape;598;g104925e6225_2_67:notes"/>
+          <p:cNvPr id="601" name="Google Shape;601;g104925e6225_2_67:notes"/>
           <p:cNvSpPr/>
           <p:nvPr>
             <p:ph idx="2" type="sldImg"/>
@@ -1381,7 +1381,7 @@
       </p:sp>
       <p:sp>
         <p:nvSpPr>
-          <p:cNvPr id="599" name="Google Shape;599;g104925e6225_2_67:notes"/>
+          <p:cNvPr id="602" name="Google Shape;602;g104925e6225_2_67:notes"/>
           <p:cNvSpPr txBox="1"/>
           <p:nvPr>
             <p:ph idx="1" type="body"/>
@@ -1431,7 +1431,7 @@
   <p:cSld>
     <p:spTree>
       <p:nvGrpSpPr>
-        <p:cNvPr id="606" name="Shape 606"/>
+        <p:cNvPr id="610" name="Shape 610"/>
         <p:cNvGrpSpPr/>
         <p:nvPr/>
       </p:nvGrpSpPr>
@@ -1445,7 +1445,7 @@
       </p:grpSpPr>
       <p:sp>
         <p:nvSpPr>
-          <p:cNvPr id="607" name="Google Shape;607;g104925e6225_2_91:notes"/>
+          <p:cNvPr id="611" name="Google Shape;611;g104925e6225_2_91:notes"/>
           <p:cNvSpPr/>
           <p:nvPr>
             <p:ph idx="2" type="sldImg"/>
@@ -1480,7 +1480,7 @@
       </p:sp>
       <p:sp>
         <p:nvSpPr>
-          <p:cNvPr id="608" name="Google Shape;608;g104925e6225_2_91:notes"/>
+          <p:cNvPr id="612" name="Google Shape;612;g104925e6225_2_91:notes"/>
           <p:cNvSpPr txBox="1"/>
           <p:nvPr>
             <p:ph idx="1" type="body"/>
@@ -1530,7 +1530,7 @@
   <p:cSld>
     <p:spTree>
       <p:nvGrpSpPr>
-        <p:cNvPr id="615" name="Shape 615"/>
+        <p:cNvPr id="620" name="Shape 620"/>
         <p:cNvGrpSpPr/>
         <p:nvPr/>
       </p:nvGrpSpPr>
@@ -1544,7 +1544,7 @@
       </p:grpSpPr>
       <p:sp>
         <p:nvSpPr>
-          <p:cNvPr id="616" name="Google Shape;616;g104925e6225_2_75:notes"/>
+          <p:cNvPr id="621" name="Google Shape;621;g104925e6225_2_75:notes"/>
           <p:cNvSpPr/>
           <p:nvPr>
             <p:ph idx="2" type="sldImg"/>
@@ -1579,7 +1579,7 @@
       </p:sp>
       <p:sp>
         <p:nvSpPr>
-          <p:cNvPr id="617" name="Google Shape;617;g104925e6225_2_75:notes"/>
+          <p:cNvPr id="622" name="Google Shape;622;g104925e6225_2_75:notes"/>
           <p:cNvSpPr txBox="1"/>
           <p:nvPr>
             <p:ph idx="1" type="body"/>
@@ -1629,7 +1629,7 @@
   <p:cSld>
     <p:spTree>
       <p:nvGrpSpPr>
-        <p:cNvPr id="624" name="Shape 624"/>
+        <p:cNvPr id="630" name="Shape 630"/>
         <p:cNvGrpSpPr/>
         <p:nvPr/>
       </p:nvGrpSpPr>
@@ -1643,7 +1643,7 @@
       </p:grpSpPr>
       <p:sp>
         <p:nvSpPr>
-          <p:cNvPr id="625" name="Google Shape;625;g104925e6225_2_83:notes"/>
+          <p:cNvPr id="631" name="Google Shape;631;g104925e6225_2_83:notes"/>
           <p:cNvSpPr/>
           <p:nvPr>
             <p:ph idx="2" type="sldImg"/>
@@ -1678,7 +1678,7 @@
       </p:sp>
       <p:sp>
         <p:nvSpPr>
-          <p:cNvPr id="626" name="Google Shape;626;g104925e6225_2_83:notes"/>
+          <p:cNvPr id="632" name="Google Shape;632;g104925e6225_2_83:notes"/>
           <p:cNvSpPr txBox="1"/>
           <p:nvPr>
             <p:ph idx="1" type="body"/>
@@ -1728,7 +1728,7 @@
   <p:cSld>
     <p:spTree>
       <p:nvGrpSpPr>
-        <p:cNvPr id="633" name="Shape 633"/>
+        <p:cNvPr id="640" name="Shape 640"/>
         <p:cNvGrpSpPr/>
         <p:nvPr/>
       </p:nvGrpSpPr>
@@ -1742,7 +1742,7 @@
       </p:grpSpPr>
       <p:sp>
         <p:nvSpPr>
-          <p:cNvPr id="634" name="Google Shape;634;g104925e6225_2_99:notes"/>
+          <p:cNvPr id="641" name="Google Shape;641;g104925e6225_2_99:notes"/>
           <p:cNvSpPr/>
           <p:nvPr>
             <p:ph idx="2" type="sldImg"/>
@@ -1777,7 +1777,7 @@
       </p:sp>
       <p:sp>
         <p:nvSpPr>
-          <p:cNvPr id="635" name="Google Shape;635;g104925e6225_2_99:notes"/>
+          <p:cNvPr id="642" name="Google Shape;642;g104925e6225_2_99:notes"/>
           <p:cNvSpPr txBox="1"/>
           <p:nvPr>
             <p:ph idx="1" type="body"/>
@@ -1926,7 +1926,7 @@
   <p:cSld>
     <p:spTree>
       <p:nvGrpSpPr>
-        <p:cNvPr id="642" name="Shape 642"/>
+        <p:cNvPr id="650" name="Shape 650"/>
         <p:cNvGrpSpPr/>
         <p:nvPr/>
       </p:nvGrpSpPr>
@@ -1940,7 +1940,7 @@
       </p:grpSpPr>
       <p:sp>
         <p:nvSpPr>
-          <p:cNvPr id="643" name="Google Shape;643;g104925e6225_2_107:notes"/>
+          <p:cNvPr id="651" name="Google Shape;651;g104925e6225_2_107:notes"/>
           <p:cNvSpPr/>
           <p:nvPr>
             <p:ph idx="2" type="sldImg"/>
@@ -1975,7 +1975,7 @@
       </p:sp>
       <p:sp>
         <p:nvSpPr>
-          <p:cNvPr id="644" name="Google Shape;644;g104925e6225_2_107:notes"/>
+          <p:cNvPr id="652" name="Google Shape;652;g104925e6225_2_107:notes"/>
           <p:cNvSpPr txBox="1"/>
           <p:nvPr>
             <p:ph idx="1" type="body"/>
@@ -2025,7 +2025,7 @@
   <p:cSld>
     <p:spTree>
       <p:nvGrpSpPr>
-        <p:cNvPr id="652" name="Shape 652"/>
+        <p:cNvPr id="661" name="Shape 661"/>
         <p:cNvGrpSpPr/>
         <p:nvPr/>
       </p:nvGrpSpPr>
@@ -2039,7 +2039,7 @@
       </p:grpSpPr>
       <p:sp>
         <p:nvSpPr>
-          <p:cNvPr id="653" name="Google Shape;653;g104925e6225_2_123:notes"/>
+          <p:cNvPr id="662" name="Google Shape;662;g104925e6225_2_123:notes"/>
           <p:cNvSpPr/>
           <p:nvPr>
             <p:ph idx="2" type="sldImg"/>
@@ -2074,7 +2074,7 @@
       </p:sp>
       <p:sp>
         <p:nvSpPr>
-          <p:cNvPr id="654" name="Google Shape;654;g104925e6225_2_123:notes"/>
+          <p:cNvPr id="663" name="Google Shape;663;g104925e6225_2_123:notes"/>
           <p:cNvSpPr txBox="1"/>
           <p:nvPr>
             <p:ph idx="1" type="body"/>
@@ -2124,7 +2124,7 @@
   <p:cSld>
     <p:spTree>
       <p:nvGrpSpPr>
-        <p:cNvPr id="660" name="Shape 660"/>
+        <p:cNvPr id="670" name="Shape 670"/>
         <p:cNvGrpSpPr/>
         <p:nvPr/>
       </p:nvGrpSpPr>
@@ -2138,7 +2138,7 @@
       </p:grpSpPr>
       <p:sp>
         <p:nvSpPr>
-          <p:cNvPr id="661" name="Google Shape;661;g104925e6225_2_115:notes"/>
+          <p:cNvPr id="671" name="Google Shape;671;g104925e6225_2_115:notes"/>
           <p:cNvSpPr/>
           <p:nvPr>
             <p:ph idx="2" type="sldImg"/>
@@ -2173,7 +2173,7 @@
       </p:sp>
       <p:sp>
         <p:nvSpPr>
-          <p:cNvPr id="662" name="Google Shape;662;g104925e6225_2_115:notes"/>
+          <p:cNvPr id="672" name="Google Shape;672;g104925e6225_2_115:notes"/>
           <p:cNvSpPr txBox="1"/>
           <p:nvPr>
             <p:ph idx="1" type="body"/>
@@ -2223,7 +2223,7 @@
   <p:cSld>
     <p:spTree>
       <p:nvGrpSpPr>
-        <p:cNvPr id="668" name="Shape 668"/>
+        <p:cNvPr id="679" name="Shape 679"/>
         <p:cNvGrpSpPr/>
         <p:nvPr/>
       </p:nvGrpSpPr>
@@ -2237,7 +2237,7 @@
       </p:grpSpPr>
       <p:sp>
         <p:nvSpPr>
-          <p:cNvPr id="669" name="Google Shape;669;g104925e6225_2_30:notes"/>
+          <p:cNvPr id="680" name="Google Shape;680;g104925e6225_2_30:notes"/>
           <p:cNvSpPr/>
           <p:nvPr>
             <p:ph idx="2" type="sldImg"/>
@@ -2272,7 +2272,7 @@
       </p:sp>
       <p:sp>
         <p:nvSpPr>
-          <p:cNvPr id="670" name="Google Shape;670;g104925e6225_2_30:notes"/>
+          <p:cNvPr id="681" name="Google Shape;681;g104925e6225_2_30:notes"/>
           <p:cNvSpPr txBox="1"/>
           <p:nvPr>
             <p:ph idx="1" type="body"/>
@@ -2619,7 +2619,7 @@
   <p:cSld>
     <p:spTree>
       <p:nvGrpSpPr>
-        <p:cNvPr id="509" name="Shape 509"/>
+        <p:cNvPr id="510" name="Shape 510"/>
         <p:cNvGrpSpPr/>
         <p:nvPr/>
       </p:nvGrpSpPr>
@@ -2633,7 +2633,7 @@
       </p:grpSpPr>
       <p:sp>
         <p:nvSpPr>
-          <p:cNvPr id="510" name="Google Shape;510;g104925e6225_2_20:notes"/>
+          <p:cNvPr id="511" name="Google Shape;511;g104925e6225_2_20:notes"/>
           <p:cNvSpPr/>
           <p:nvPr>
             <p:ph idx="2" type="sldImg"/>
@@ -2668,7 +2668,7 @@
       </p:sp>
       <p:sp>
         <p:nvSpPr>
-          <p:cNvPr id="511" name="Google Shape;511;g104925e6225_2_20:notes"/>
+          <p:cNvPr id="512" name="Google Shape;512;g104925e6225_2_20:notes"/>
           <p:cNvSpPr txBox="1"/>
           <p:nvPr>
             <p:ph idx="1" type="body"/>
@@ -2718,7 +2718,7 @@
   <p:cSld>
     <p:spTree>
       <p:nvGrpSpPr>
-        <p:cNvPr id="519" name="Shape 519"/>
+        <p:cNvPr id="520" name="Shape 520"/>
         <p:cNvGrpSpPr/>
         <p:nvPr/>
       </p:nvGrpSpPr>
@@ -2732,7 +2732,7 @@
       </p:grpSpPr>
       <p:sp>
         <p:nvSpPr>
-          <p:cNvPr id="520" name="Google Shape;520;g104925e6225_2_10:notes"/>
+          <p:cNvPr id="521" name="Google Shape;521;g104925e6225_2_10:notes"/>
           <p:cNvSpPr/>
           <p:nvPr>
             <p:ph idx="2" type="sldImg"/>
@@ -2767,7 +2767,7 @@
       </p:sp>
       <p:sp>
         <p:nvSpPr>
-          <p:cNvPr id="521" name="Google Shape;521;g104925e6225_2_10:notes"/>
+          <p:cNvPr id="522" name="Google Shape;522;g104925e6225_2_10:notes"/>
           <p:cNvSpPr txBox="1"/>
           <p:nvPr>
             <p:ph idx="1" type="body"/>
@@ -2853,7 +2853,7 @@
   <p:cSld>
     <p:spTree>
       <p:nvGrpSpPr>
-        <p:cNvPr id="529" name="Shape 529"/>
+        <p:cNvPr id="530" name="Shape 530"/>
         <p:cNvGrpSpPr/>
         <p:nvPr/>
       </p:nvGrpSpPr>
@@ -2867,7 +2867,7 @@
       </p:grpSpPr>
       <p:sp>
         <p:nvSpPr>
-          <p:cNvPr id="530" name="Google Shape;530;g102ec00de5a_1_6:notes"/>
+          <p:cNvPr id="531" name="Google Shape;531;g102ec00de5a_1_6:notes"/>
           <p:cNvSpPr/>
           <p:nvPr>
             <p:ph idx="2" type="sldImg"/>
@@ -2902,7 +2902,7 @@
       </p:sp>
       <p:sp>
         <p:nvSpPr>
-          <p:cNvPr id="531" name="Google Shape;531;g102ec00de5a_1_6:notes"/>
+          <p:cNvPr id="532" name="Google Shape;532;g102ec00de5a_1_6:notes"/>
           <p:cNvSpPr txBox="1"/>
           <p:nvPr>
             <p:ph idx="1" type="body"/>
@@ -2988,7 +2988,7 @@
   <p:cSld>
     <p:spTree>
       <p:nvGrpSpPr>
-        <p:cNvPr id="539" name="Shape 539"/>
+        <p:cNvPr id="540" name="Shape 540"/>
         <p:cNvGrpSpPr/>
         <p:nvPr/>
       </p:nvGrpSpPr>
@@ -3002,7 +3002,7 @@
       </p:grpSpPr>
       <p:sp>
         <p:nvSpPr>
-          <p:cNvPr id="540" name="Google Shape;540;g104925e6225_2_1:notes"/>
+          <p:cNvPr id="541" name="Google Shape;541;g104925e6225_2_1:notes"/>
           <p:cNvSpPr/>
           <p:nvPr>
             <p:ph idx="2" type="sldImg"/>
@@ -3037,7 +3037,7 @@
       </p:sp>
       <p:sp>
         <p:nvSpPr>
-          <p:cNvPr id="541" name="Google Shape;541;g104925e6225_2_1:notes"/>
+          <p:cNvPr id="542" name="Google Shape;542;g104925e6225_2_1:notes"/>
           <p:cNvSpPr txBox="1"/>
           <p:nvPr>
             <p:ph idx="1" type="body"/>
@@ -37814,7 +37814,7 @@
   <p:cSld>
     <p:spTree>
       <p:nvGrpSpPr>
-        <p:cNvPr id="552" name="Shape 552"/>
+        <p:cNvPr id="553" name="Shape 553"/>
         <p:cNvGrpSpPr/>
         <p:nvPr/>
       </p:nvGrpSpPr>
@@ -37828,7 +37828,7 @@
       </p:grpSpPr>
       <p:sp>
         <p:nvSpPr>
-          <p:cNvPr id="553" name="Google Shape;553;p34"/>
+          <p:cNvPr id="554" name="Google Shape;554;p34"/>
           <p:cNvSpPr txBox="1"/>
           <p:nvPr>
             <p:ph type="title"/>
@@ -37880,7 +37880,7 @@
       </p:sp>
       <p:sp>
         <p:nvSpPr>
-          <p:cNvPr id="554" name="Google Shape;554;p34"/>
+          <p:cNvPr id="555" name="Google Shape;555;p34"/>
           <p:cNvSpPr txBox="1"/>
           <p:nvPr>
             <p:ph idx="2" type="title"/>
@@ -37952,7 +37952,7 @@
       </p:sp>
       <p:sp>
         <p:nvSpPr>
-          <p:cNvPr id="555" name="Google Shape;555;p34"/>
+          <p:cNvPr id="556" name="Google Shape;556;p34"/>
           <p:cNvSpPr txBox="1"/>
           <p:nvPr/>
         </p:nvSpPr>
@@ -38010,9 +38010,9 @@
       </p:sp>
       <p:cxnSp>
         <p:nvCxnSpPr>
-          <p:cNvPr id="556" name="Google Shape;556;p34"/>
+          <p:cNvPr id="557" name="Google Shape;557;p34"/>
           <p:cNvCxnSpPr>
-            <a:endCxn id="555" idx="0"/>
+            <a:endCxn id="556" idx="0"/>
           </p:cNvCxnSpPr>
           <p:nvPr/>
         </p:nvCxnSpPr>
@@ -38036,54 +38036,6 @@
           </a:ln>
         </p:spPr>
       </p:cxnSp>
-      <p:sp>
-        <p:nvSpPr>
-          <p:cNvPr id="557" name="Google Shape;557;p34"/>
-          <p:cNvSpPr txBox="1"/>
-          <p:nvPr>
-            <p:ph idx="4294967295" type="subTitle"/>
-          </p:nvPr>
-        </p:nvSpPr>
-        <p:spPr>
-          <a:xfrm>
-            <a:off x="710125" y="4694725"/>
-            <a:ext cx="4865100" cy="357300"/>
-          </a:xfrm>
-          <a:prstGeom prst="rect">
-            <a:avLst/>
-          </a:prstGeom>
-        </p:spPr>
-        <p:txBody>
-          <a:bodyPr anchorCtr="0" anchor="ctr" bIns="91425" lIns="91425" spcFirstLastPara="1" rIns="91425" wrap="square" tIns="91425">
-            <a:noAutofit/>
-          </a:bodyPr>
-          <a:lstStyle/>
-          <a:p>
-            <a:pPr indent="0" lvl="0" marL="0" rtl="0" algn="l">
-              <a:spcBef>
-                <a:spcPts val="0"/>
-              </a:spcBef>
-              <a:spcAft>
-                <a:spcPts val="0"/>
-              </a:spcAft>
-              <a:buNone/>
-            </a:pPr>
-            <a:r>
-              <a:rPr lang="en" sz="1400">
-                <a:solidFill>
-                  <a:schemeClr val="accent3"/>
-                </a:solidFill>
-              </a:rPr>
-              <a:t>Programming Language</a:t>
-            </a:r>
-            <a:endParaRPr sz="1400">
-              <a:solidFill>
-                <a:schemeClr val="accent3"/>
-              </a:solidFill>
-            </a:endParaRPr>
-          </a:p>
-        </p:txBody>
-      </p:sp>
       <p:pic>
         <p:nvPicPr>
           <p:cNvPr id="558" name="Google Shape;558;p34"/>
@@ -38100,8 +38052,8 @@
         </p:blipFill>
         <p:spPr>
           <a:xfrm>
-            <a:off x="1154091" y="2360800"/>
-            <a:ext cx="7491460" cy="1104600"/>
+            <a:off x="1896700" y="2191175"/>
+            <a:ext cx="6092084" cy="1230275"/>
           </a:xfrm>
           <a:prstGeom prst="rect">
             <a:avLst/>
@@ -38112,6 +38064,54 @@
           </a:ln>
         </p:spPr>
       </p:pic>
+      <p:sp>
+        <p:nvSpPr>
+          <p:cNvPr id="559" name="Google Shape;559;p34"/>
+          <p:cNvSpPr txBox="1"/>
+          <p:nvPr>
+            <p:ph idx="4294967295" type="subTitle"/>
+          </p:nvPr>
+        </p:nvSpPr>
+        <p:spPr>
+          <a:xfrm>
+            <a:off x="710125" y="4694725"/>
+            <a:ext cx="6121800" cy="357300"/>
+          </a:xfrm>
+          <a:prstGeom prst="rect">
+            <a:avLst/>
+          </a:prstGeom>
+        </p:spPr>
+        <p:txBody>
+          <a:bodyPr anchorCtr="0" anchor="ctr" bIns="91425" lIns="91425" spcFirstLastPara="1" rIns="91425" wrap="square" tIns="91425">
+            <a:noAutofit/>
+          </a:bodyPr>
+          <a:lstStyle/>
+          <a:p>
+            <a:pPr indent="0" lvl="0" marL="0" rtl="0" algn="l">
+              <a:spcBef>
+                <a:spcPts val="0"/>
+              </a:spcBef>
+              <a:spcAft>
+                <a:spcPts val="0"/>
+              </a:spcAft>
+              <a:buNone/>
+            </a:pPr>
+            <a:r>
+              <a:rPr lang="en">
+                <a:solidFill>
+                  <a:schemeClr val="accent3"/>
+                </a:solidFill>
+              </a:rPr>
+              <a:t>VallaTech Summit - Jetpack Compose -  GonzaCS</a:t>
+            </a:r>
+            <a:endParaRPr sz="1400">
+              <a:solidFill>
+                <a:schemeClr val="accent3"/>
+              </a:solidFill>
+            </a:endParaRPr>
+          </a:p>
+        </p:txBody>
+      </p:sp>
     </p:spTree>
   </p:cSld>
   <p:clrMapOvr>
@@ -38125,7 +38125,7 @@
   <p:cSld>
     <p:spTree>
       <p:nvGrpSpPr>
-        <p:cNvPr id="562" name="Shape 562"/>
+        <p:cNvPr id="563" name="Shape 563"/>
         <p:cNvGrpSpPr/>
         <p:nvPr/>
       </p:nvGrpSpPr>
@@ -38139,7 +38139,7 @@
       </p:grpSpPr>
       <p:sp>
         <p:nvSpPr>
-          <p:cNvPr id="563" name="Google Shape;563;p35"/>
+          <p:cNvPr id="564" name="Google Shape;564;p35"/>
           <p:cNvSpPr txBox="1"/>
           <p:nvPr>
             <p:ph type="title"/>
@@ -38191,7 +38191,7 @@
       </p:sp>
       <p:sp>
         <p:nvSpPr>
-          <p:cNvPr id="564" name="Google Shape;564;p35"/>
+          <p:cNvPr id="565" name="Google Shape;565;p35"/>
           <p:cNvSpPr txBox="1"/>
           <p:nvPr>
             <p:ph idx="2" type="title"/>
@@ -38271,7 +38271,7 @@
       </p:sp>
       <p:sp>
         <p:nvSpPr>
-          <p:cNvPr id="565" name="Google Shape;565;p35"/>
+          <p:cNvPr id="566" name="Google Shape;566;p35"/>
           <p:cNvSpPr txBox="1"/>
           <p:nvPr>
             <p:ph idx="1" type="subTitle"/>
@@ -38350,7 +38350,7 @@
       </p:sp>
       <p:sp>
         <p:nvSpPr>
-          <p:cNvPr id="566" name="Google Shape;566;p35"/>
+          <p:cNvPr id="567" name="Google Shape;567;p35"/>
           <p:cNvSpPr txBox="1"/>
           <p:nvPr/>
         </p:nvSpPr>
@@ -38408,9 +38408,9 @@
       </p:sp>
       <p:cxnSp>
         <p:nvCxnSpPr>
-          <p:cNvPr id="567" name="Google Shape;567;p35"/>
+          <p:cNvPr id="568" name="Google Shape;568;p35"/>
           <p:cNvCxnSpPr>
-            <a:endCxn id="566" idx="0"/>
+            <a:endCxn id="567" idx="0"/>
           </p:cNvCxnSpPr>
           <p:nvPr/>
         </p:nvCxnSpPr>
@@ -38436,7 +38436,7 @@
       </p:cxnSp>
       <p:sp>
         <p:nvSpPr>
-          <p:cNvPr id="568" name="Google Shape;568;p35"/>
+          <p:cNvPr id="569" name="Google Shape;569;p35"/>
           <p:cNvSpPr txBox="1"/>
           <p:nvPr>
             <p:ph idx="4294967295" type="subTitle"/>
@@ -38445,7 +38445,7 @@
         <p:spPr>
           <a:xfrm>
             <a:off x="710125" y="4694725"/>
-            <a:ext cx="4865100" cy="357300"/>
+            <a:ext cx="6121800" cy="357300"/>
           </a:xfrm>
           <a:prstGeom prst="rect">
             <a:avLst/>
@@ -38467,12 +38467,12 @@
               <a:buNone/>
             </a:pPr>
             <a:r>
-              <a:rPr lang="en" sz="1400">
+              <a:rPr lang="en">
                 <a:solidFill>
                   <a:schemeClr val="accent3"/>
                 </a:solidFill>
               </a:rPr>
-              <a:t>Programming Language</a:t>
+              <a:t>VallaTech Summit - Jetpack Compose -  GonzaCS</a:t>
             </a:r>
             <a:endParaRPr sz="1400">
               <a:solidFill>
@@ -38495,7 +38495,7 @@
   <p:cSld>
     <p:spTree>
       <p:nvGrpSpPr>
-        <p:cNvPr id="572" name="Shape 572"/>
+        <p:cNvPr id="573" name="Shape 573"/>
         <p:cNvGrpSpPr/>
         <p:nvPr/>
       </p:nvGrpSpPr>
@@ -38509,7 +38509,7 @@
       </p:grpSpPr>
       <p:sp>
         <p:nvSpPr>
-          <p:cNvPr id="573" name="Google Shape;573;p36"/>
+          <p:cNvPr id="574" name="Google Shape;574;p36"/>
           <p:cNvSpPr txBox="1"/>
           <p:nvPr>
             <p:ph type="title"/>
@@ -38517,7 +38517,7 @@
         </p:nvSpPr>
         <p:spPr>
           <a:xfrm flipH="1">
-            <a:off x="1902263" y="282175"/>
+            <a:off x="1387913" y="304525"/>
             <a:ext cx="1842300" cy="1104600"/>
           </a:xfrm>
           <a:prstGeom prst="rect">
@@ -38565,7 +38565,7 @@
       </p:sp>
       <p:sp>
         <p:nvSpPr>
-          <p:cNvPr id="574" name="Google Shape;574;p36"/>
+          <p:cNvPr id="575" name="Google Shape;575;p36"/>
           <p:cNvSpPr txBox="1"/>
           <p:nvPr>
             <p:ph idx="2" type="title"/>
@@ -38573,7 +38573,7 @@
         </p:nvSpPr>
         <p:spPr>
           <a:xfrm>
-            <a:off x="2534075" y="1313225"/>
+            <a:off x="2019725" y="1335575"/>
             <a:ext cx="6325800" cy="535500"/>
           </a:xfrm>
           <a:prstGeom prst="rect">
@@ -38637,7 +38637,7 @@
       </p:sp>
       <p:sp>
         <p:nvSpPr>
-          <p:cNvPr id="575" name="Google Shape;575;p36"/>
+          <p:cNvPr id="576" name="Google Shape;576;p36"/>
           <p:cNvSpPr txBox="1"/>
           <p:nvPr>
             <p:ph idx="1" type="subTitle"/>
@@ -38645,7 +38645,7 @@
         </p:nvSpPr>
         <p:spPr>
           <a:xfrm>
-            <a:off x="2962175" y="1914725"/>
+            <a:off x="2447825" y="1937075"/>
             <a:ext cx="4980600" cy="1921500"/>
           </a:xfrm>
           <a:prstGeom prst="rect">
@@ -38770,13 +38770,13 @@
       </p:sp>
       <p:sp>
         <p:nvSpPr>
-          <p:cNvPr id="576" name="Google Shape;576;p36"/>
+          <p:cNvPr id="577" name="Google Shape;577;p36"/>
           <p:cNvSpPr txBox="1"/>
           <p:nvPr/>
         </p:nvSpPr>
         <p:spPr>
           <a:xfrm>
-            <a:off x="2127375" y="3815175"/>
+            <a:off x="1613025" y="3837525"/>
             <a:ext cx="478500" cy="743400"/>
           </a:xfrm>
           <a:prstGeom prst="rect">
@@ -38828,15 +38828,15 @@
       </p:sp>
       <p:cxnSp>
         <p:nvCxnSpPr>
-          <p:cNvPr id="577" name="Google Shape;577;p36"/>
+          <p:cNvPr id="578" name="Google Shape;578;p36"/>
           <p:cNvCxnSpPr>
-            <a:endCxn id="576" idx="0"/>
+            <a:endCxn id="577" idx="0"/>
           </p:cNvCxnSpPr>
           <p:nvPr/>
         </p:nvCxnSpPr>
         <p:spPr>
           <a:xfrm>
-            <a:off x="2366625" y="1404975"/>
+            <a:off x="1852275" y="1427325"/>
             <a:ext cx="0" cy="2410200"/>
           </a:xfrm>
           <a:prstGeom prst="straightConnector1">
@@ -38856,7 +38856,7 @@
       </p:cxnSp>
       <p:sp>
         <p:nvSpPr>
-          <p:cNvPr id="578" name="Google Shape;578;p36"/>
+          <p:cNvPr id="579" name="Google Shape;579;p36"/>
           <p:cNvSpPr txBox="1"/>
           <p:nvPr>
             <p:ph idx="4294967295" type="subTitle"/>
@@ -38865,7 +38865,7 @@
         <p:spPr>
           <a:xfrm>
             <a:off x="710125" y="4694725"/>
-            <a:ext cx="4865100" cy="357300"/>
+            <a:ext cx="6121800" cy="357300"/>
           </a:xfrm>
           <a:prstGeom prst="rect">
             <a:avLst/>
@@ -38887,12 +38887,12 @@
               <a:buNone/>
             </a:pPr>
             <a:r>
-              <a:rPr lang="en" sz="1400">
+              <a:rPr lang="en">
                 <a:solidFill>
                   <a:schemeClr val="accent3"/>
                 </a:solidFill>
               </a:rPr>
-              <a:t>Programming Language</a:t>
+              <a:t>VallaTech Summit - Jetpack Compose -  GonzaCS</a:t>
             </a:r>
             <a:endParaRPr sz="1400">
               <a:solidFill>
@@ -38915,7 +38915,7 @@
   <p:cSld>
     <p:spTree>
       <p:nvGrpSpPr>
-        <p:cNvPr id="582" name="Shape 582"/>
+        <p:cNvPr id="583" name="Shape 583"/>
         <p:cNvGrpSpPr/>
         <p:nvPr/>
       </p:nvGrpSpPr>
@@ -38929,7 +38929,7 @@
       </p:grpSpPr>
       <p:sp>
         <p:nvSpPr>
-          <p:cNvPr id="583" name="Google Shape;583;p37"/>
+          <p:cNvPr id="584" name="Google Shape;584;p37"/>
           <p:cNvSpPr txBox="1"/>
           <p:nvPr>
             <p:ph type="title"/>
@@ -38937,8 +38937,8 @@
         </p:nvSpPr>
         <p:spPr>
           <a:xfrm flipH="1">
-            <a:off x="1002113" y="326550"/>
-            <a:ext cx="1842300" cy="1104600"/>
+            <a:off x="1002185" y="326550"/>
+            <a:ext cx="3302700" cy="1104600"/>
           </a:xfrm>
           <a:prstGeom prst="rect">
             <a:avLst/>
@@ -38961,7 +38961,7 @@
             </a:pPr>
             <a:r>
               <a:rPr lang="en" sz="5000"/>
-              <a:t>06 </a:t>
+              <a:t>06 Row</a:t>
             </a:r>
             <a:r>
               <a:rPr lang="en" sz="5000">
@@ -38981,7 +38981,7 @@
       </p:sp>
       <p:sp>
         <p:nvSpPr>
-          <p:cNvPr id="584" name="Google Shape;584;p37"/>
+          <p:cNvPr id="585" name="Google Shape;585;p37"/>
           <p:cNvSpPr txBox="1"/>
           <p:nvPr/>
         </p:nvSpPr>
@@ -39039,9 +39039,9 @@
       </p:sp>
       <p:cxnSp>
         <p:nvCxnSpPr>
-          <p:cNvPr id="585" name="Google Shape;585;p37"/>
+          <p:cNvPr id="586" name="Google Shape;586;p37"/>
           <p:cNvCxnSpPr>
-            <a:endCxn id="584" idx="0"/>
+            <a:endCxn id="585" idx="0"/>
           </p:cNvCxnSpPr>
           <p:nvPr/>
         </p:nvCxnSpPr>
@@ -39067,7 +39067,7 @@
       </p:cxnSp>
       <p:pic>
         <p:nvPicPr>
-          <p:cNvPr id="586" name="Google Shape;586;p37"/>
+          <p:cNvPr id="587" name="Google Shape;587;p37"/>
           <p:cNvPicPr preferRelativeResize="0"/>
           <p:nvPr/>
         </p:nvPicPr>
@@ -39094,7 +39094,7 @@
       </p:pic>
       <p:pic>
         <p:nvPicPr>
-          <p:cNvPr id="587" name="Google Shape;587;p37"/>
+          <p:cNvPr id="588" name="Google Shape;588;p37"/>
           <p:cNvPicPr preferRelativeResize="0"/>
           <p:nvPr/>
         </p:nvPicPr>
@@ -39120,6 +39120,54 @@
           </a:ln>
         </p:spPr>
       </p:pic>
+      <p:sp>
+        <p:nvSpPr>
+          <p:cNvPr id="589" name="Google Shape;589;p37"/>
+          <p:cNvSpPr txBox="1"/>
+          <p:nvPr>
+            <p:ph idx="4294967295" type="subTitle"/>
+          </p:nvPr>
+        </p:nvSpPr>
+        <p:spPr>
+          <a:xfrm>
+            <a:off x="710125" y="4694725"/>
+            <a:ext cx="6121800" cy="357300"/>
+          </a:xfrm>
+          <a:prstGeom prst="rect">
+            <a:avLst/>
+          </a:prstGeom>
+        </p:spPr>
+        <p:txBody>
+          <a:bodyPr anchorCtr="0" anchor="ctr" bIns="91425" lIns="91425" spcFirstLastPara="1" rIns="91425" wrap="square" tIns="91425">
+            <a:noAutofit/>
+          </a:bodyPr>
+          <a:lstStyle/>
+          <a:p>
+            <a:pPr indent="0" lvl="0" marL="0" rtl="0" algn="l">
+              <a:spcBef>
+                <a:spcPts val="0"/>
+              </a:spcBef>
+              <a:spcAft>
+                <a:spcPts val="0"/>
+              </a:spcAft>
+              <a:buNone/>
+            </a:pPr>
+            <a:r>
+              <a:rPr lang="en">
+                <a:solidFill>
+                  <a:schemeClr val="accent3"/>
+                </a:solidFill>
+              </a:rPr>
+              <a:t>VallaTech Summit - Jetpack Compose -  GonzaCS</a:t>
+            </a:r>
+            <a:endParaRPr sz="1400">
+              <a:solidFill>
+                <a:schemeClr val="accent3"/>
+              </a:solidFill>
+            </a:endParaRPr>
+          </a:p>
+        </p:txBody>
+      </p:sp>
     </p:spTree>
   </p:cSld>
   <p:clrMapOvr>
@@ -39133,7 +39181,7 @@
   <p:cSld>
     <p:spTree>
       <p:nvGrpSpPr>
-        <p:cNvPr id="591" name="Shape 591"/>
+        <p:cNvPr id="593" name="Shape 593"/>
         <p:cNvGrpSpPr/>
         <p:nvPr/>
       </p:nvGrpSpPr>
@@ -39147,7 +39195,7 @@
       </p:grpSpPr>
       <p:sp>
         <p:nvSpPr>
-          <p:cNvPr id="592" name="Google Shape;592;p38"/>
+          <p:cNvPr id="594" name="Google Shape;594;p38"/>
           <p:cNvSpPr txBox="1"/>
           <p:nvPr>
             <p:ph type="title"/>
@@ -39155,8 +39203,8 @@
         </p:nvSpPr>
         <p:spPr>
           <a:xfrm flipH="1">
-            <a:off x="1002113" y="326550"/>
-            <a:ext cx="1842300" cy="1104600"/>
+            <a:off x="1002192" y="326550"/>
+            <a:ext cx="5896800" cy="1104600"/>
           </a:xfrm>
           <a:prstGeom prst="rect">
             <a:avLst/>
@@ -39168,7 +39216,7 @@
           </a:bodyPr>
           <a:lstStyle/>
           <a:p>
-            <a:pPr indent="0" lvl="0" marL="0" rtl="0" algn="ctr">
+            <a:pPr indent="0" lvl="0" marL="0" rtl="0" algn="l">
               <a:spcBef>
                 <a:spcPts val="0"/>
               </a:spcBef>
@@ -39179,7 +39227,7 @@
             </a:pPr>
             <a:r>
               <a:rPr lang="en" sz="5000"/>
-              <a:t>07 </a:t>
+              <a:t>07 Column</a:t>
             </a:r>
             <a:r>
               <a:rPr lang="en" sz="5000">
@@ -39199,7 +39247,7 @@
       </p:sp>
       <p:sp>
         <p:nvSpPr>
-          <p:cNvPr id="593" name="Google Shape;593;p38"/>
+          <p:cNvPr id="595" name="Google Shape;595;p38"/>
           <p:cNvSpPr txBox="1"/>
           <p:nvPr/>
         </p:nvSpPr>
@@ -39257,9 +39305,9 @@
       </p:sp>
       <p:cxnSp>
         <p:nvCxnSpPr>
-          <p:cNvPr id="594" name="Google Shape;594;p38"/>
+          <p:cNvPr id="596" name="Google Shape;596;p38"/>
           <p:cNvCxnSpPr>
-            <a:endCxn id="593" idx="0"/>
+            <a:endCxn id="595" idx="0"/>
           </p:cNvCxnSpPr>
           <p:nvPr/>
         </p:nvCxnSpPr>
@@ -39285,7 +39333,7 @@
       </p:cxnSp>
       <p:pic>
         <p:nvPicPr>
-          <p:cNvPr id="595" name="Google Shape;595;p38"/>
+          <p:cNvPr id="597" name="Google Shape;597;p38"/>
           <p:cNvPicPr preferRelativeResize="0"/>
           <p:nvPr/>
         </p:nvPicPr>
@@ -39313,7 +39361,7 @@
       </p:pic>
       <p:pic>
         <p:nvPicPr>
-          <p:cNvPr id="596" name="Google Shape;596;p38"/>
+          <p:cNvPr id="598" name="Google Shape;598;p38"/>
           <p:cNvPicPr preferRelativeResize="0"/>
           <p:nvPr/>
         </p:nvPicPr>
@@ -39339,6 +39387,54 @@
           </a:ln>
         </p:spPr>
       </p:pic>
+      <p:sp>
+        <p:nvSpPr>
+          <p:cNvPr id="599" name="Google Shape;599;p38"/>
+          <p:cNvSpPr txBox="1"/>
+          <p:nvPr>
+            <p:ph idx="4294967295" type="subTitle"/>
+          </p:nvPr>
+        </p:nvSpPr>
+        <p:spPr>
+          <a:xfrm>
+            <a:off x="710125" y="4694725"/>
+            <a:ext cx="6121800" cy="357300"/>
+          </a:xfrm>
+          <a:prstGeom prst="rect">
+            <a:avLst/>
+          </a:prstGeom>
+        </p:spPr>
+        <p:txBody>
+          <a:bodyPr anchorCtr="0" anchor="ctr" bIns="91425" lIns="91425" spcFirstLastPara="1" rIns="91425" wrap="square" tIns="91425">
+            <a:noAutofit/>
+          </a:bodyPr>
+          <a:lstStyle/>
+          <a:p>
+            <a:pPr indent="0" lvl="0" marL="0" rtl="0" algn="l">
+              <a:spcBef>
+                <a:spcPts val="0"/>
+              </a:spcBef>
+              <a:spcAft>
+                <a:spcPts val="0"/>
+              </a:spcAft>
+              <a:buNone/>
+            </a:pPr>
+            <a:r>
+              <a:rPr lang="en">
+                <a:solidFill>
+                  <a:schemeClr val="accent3"/>
+                </a:solidFill>
+              </a:rPr>
+              <a:t>VallaTech Summit - Jetpack Compose -  GonzaCS</a:t>
+            </a:r>
+            <a:endParaRPr sz="1400">
+              <a:solidFill>
+                <a:schemeClr val="accent3"/>
+              </a:solidFill>
+            </a:endParaRPr>
+          </a:p>
+        </p:txBody>
+      </p:sp>
     </p:spTree>
   </p:cSld>
   <p:clrMapOvr>
@@ -39352,7 +39448,7 @@
   <p:cSld>
     <p:spTree>
       <p:nvGrpSpPr>
-        <p:cNvPr id="600" name="Shape 600"/>
+        <p:cNvPr id="603" name="Shape 603"/>
         <p:cNvGrpSpPr/>
         <p:nvPr/>
       </p:nvGrpSpPr>
@@ -39366,7 +39462,7 @@
       </p:grpSpPr>
       <p:sp>
         <p:nvSpPr>
-          <p:cNvPr id="601" name="Google Shape;601;p39"/>
+          <p:cNvPr id="604" name="Google Shape;604;p39"/>
           <p:cNvSpPr txBox="1"/>
           <p:nvPr>
             <p:ph type="title"/>
@@ -39374,8 +39470,8 @@
         </p:nvSpPr>
         <p:spPr>
           <a:xfrm flipH="1">
-            <a:off x="1002113" y="326550"/>
-            <a:ext cx="1842300" cy="1104600"/>
+            <a:off x="1001948" y="326550"/>
+            <a:ext cx="5785200" cy="1104600"/>
           </a:xfrm>
           <a:prstGeom prst="rect">
             <a:avLst/>
@@ -39387,7 +39483,7 @@
           </a:bodyPr>
           <a:lstStyle/>
           <a:p>
-            <a:pPr indent="0" lvl="0" marL="0" rtl="0" algn="ctr">
+            <a:pPr indent="0" lvl="0" marL="0" rtl="0" algn="l">
               <a:spcBef>
                 <a:spcPts val="0"/>
               </a:spcBef>
@@ -39398,7 +39494,7 @@
             </a:pPr>
             <a:r>
               <a:rPr lang="en" sz="5000"/>
-              <a:t>08 </a:t>
+              <a:t>08 LazyColumn</a:t>
             </a:r>
             <a:r>
               <a:rPr lang="en" sz="5000">
@@ -39418,7 +39514,7 @@
       </p:sp>
       <p:sp>
         <p:nvSpPr>
-          <p:cNvPr id="602" name="Google Shape;602;p39"/>
+          <p:cNvPr id="605" name="Google Shape;605;p39"/>
           <p:cNvSpPr txBox="1"/>
           <p:nvPr/>
         </p:nvSpPr>
@@ -39476,9 +39572,9 @@
       </p:sp>
       <p:cxnSp>
         <p:nvCxnSpPr>
-          <p:cNvPr id="603" name="Google Shape;603;p39"/>
+          <p:cNvPr id="606" name="Google Shape;606;p39"/>
           <p:cNvCxnSpPr>
-            <a:endCxn id="602" idx="0"/>
+            <a:endCxn id="605" idx="0"/>
           </p:cNvCxnSpPr>
           <p:nvPr/>
         </p:nvCxnSpPr>
@@ -39504,7 +39600,7 @@
       </p:cxnSp>
       <p:pic>
         <p:nvPicPr>
-          <p:cNvPr id="604" name="Google Shape;604;p39"/>
+          <p:cNvPr id="607" name="Google Shape;607;p39"/>
           <p:cNvPicPr preferRelativeResize="0"/>
           <p:nvPr/>
         </p:nvPicPr>
@@ -39531,7 +39627,7 @@
       </p:pic>
       <p:pic>
         <p:nvPicPr>
-          <p:cNvPr id="605" name="Google Shape;605;p39"/>
+          <p:cNvPr id="608" name="Google Shape;608;p39"/>
           <p:cNvPicPr preferRelativeResize="0"/>
           <p:nvPr/>
         </p:nvPicPr>
@@ -39557,6 +39653,54 @@
           </a:ln>
         </p:spPr>
       </p:pic>
+      <p:sp>
+        <p:nvSpPr>
+          <p:cNvPr id="609" name="Google Shape;609;p39"/>
+          <p:cNvSpPr txBox="1"/>
+          <p:nvPr>
+            <p:ph idx="4294967295" type="subTitle"/>
+          </p:nvPr>
+        </p:nvSpPr>
+        <p:spPr>
+          <a:xfrm>
+            <a:off x="710125" y="4694725"/>
+            <a:ext cx="6121800" cy="357300"/>
+          </a:xfrm>
+          <a:prstGeom prst="rect">
+            <a:avLst/>
+          </a:prstGeom>
+        </p:spPr>
+        <p:txBody>
+          <a:bodyPr anchorCtr="0" anchor="ctr" bIns="91425" lIns="91425" spcFirstLastPara="1" rIns="91425" wrap="square" tIns="91425">
+            <a:noAutofit/>
+          </a:bodyPr>
+          <a:lstStyle/>
+          <a:p>
+            <a:pPr indent="0" lvl="0" marL="0" rtl="0" algn="l">
+              <a:spcBef>
+                <a:spcPts val="0"/>
+              </a:spcBef>
+              <a:spcAft>
+                <a:spcPts val="0"/>
+              </a:spcAft>
+              <a:buNone/>
+            </a:pPr>
+            <a:r>
+              <a:rPr lang="en">
+                <a:solidFill>
+                  <a:schemeClr val="accent3"/>
+                </a:solidFill>
+              </a:rPr>
+              <a:t>VallaTech Summit - Jetpack Compose -  GonzaCS</a:t>
+            </a:r>
+            <a:endParaRPr sz="1400">
+              <a:solidFill>
+                <a:schemeClr val="accent3"/>
+              </a:solidFill>
+            </a:endParaRPr>
+          </a:p>
+        </p:txBody>
+      </p:sp>
     </p:spTree>
   </p:cSld>
   <p:clrMapOvr>
@@ -39570,7 +39714,7 @@
   <p:cSld>
     <p:spTree>
       <p:nvGrpSpPr>
-        <p:cNvPr id="609" name="Shape 609"/>
+        <p:cNvPr id="613" name="Shape 613"/>
         <p:cNvGrpSpPr/>
         <p:nvPr/>
       </p:nvGrpSpPr>
@@ -39584,7 +39728,7 @@
       </p:grpSpPr>
       <p:sp>
         <p:nvSpPr>
-          <p:cNvPr id="610" name="Google Shape;610;p40"/>
+          <p:cNvPr id="614" name="Google Shape;614;p40"/>
           <p:cNvSpPr txBox="1"/>
           <p:nvPr>
             <p:ph type="title"/>
@@ -39592,8 +39736,8 @@
         </p:nvSpPr>
         <p:spPr>
           <a:xfrm flipH="1">
-            <a:off x="1002113" y="326550"/>
-            <a:ext cx="1842300" cy="1104600"/>
+            <a:off x="1002106" y="326550"/>
+            <a:ext cx="6426300" cy="1104600"/>
           </a:xfrm>
           <a:prstGeom prst="rect">
             <a:avLst/>
@@ -39605,7 +39749,7 @@
           </a:bodyPr>
           <a:lstStyle/>
           <a:p>
-            <a:pPr indent="0" lvl="0" marL="0" rtl="0" algn="ctr">
+            <a:pPr indent="0" lvl="0" marL="0" rtl="0" algn="l">
               <a:spcBef>
                 <a:spcPts val="0"/>
               </a:spcBef>
@@ -39616,7 +39760,7 @@
             </a:pPr>
             <a:r>
               <a:rPr lang="en" sz="5000"/>
-              <a:t>09 </a:t>
+              <a:t>09 Image</a:t>
             </a:r>
             <a:r>
               <a:rPr lang="en" sz="5000">
@@ -39636,7 +39780,7 @@
       </p:sp>
       <p:sp>
         <p:nvSpPr>
-          <p:cNvPr id="611" name="Google Shape;611;p40"/>
+          <p:cNvPr id="615" name="Google Shape;615;p40"/>
           <p:cNvSpPr txBox="1"/>
           <p:nvPr/>
         </p:nvSpPr>
@@ -39694,9 +39838,9 @@
       </p:sp>
       <p:cxnSp>
         <p:nvCxnSpPr>
-          <p:cNvPr id="612" name="Google Shape;612;p40"/>
+          <p:cNvPr id="616" name="Google Shape;616;p40"/>
           <p:cNvCxnSpPr>
-            <a:endCxn id="611" idx="0"/>
+            <a:endCxn id="615" idx="0"/>
           </p:cNvCxnSpPr>
           <p:nvPr/>
         </p:nvCxnSpPr>
@@ -39722,7 +39866,7 @@
       </p:cxnSp>
       <p:pic>
         <p:nvPicPr>
-          <p:cNvPr id="613" name="Google Shape;613;p40"/>
+          <p:cNvPr id="617" name="Google Shape;617;p40"/>
           <p:cNvPicPr preferRelativeResize="0"/>
           <p:nvPr/>
         </p:nvPicPr>
@@ -39750,7 +39894,7 @@
       </p:pic>
       <p:pic>
         <p:nvPicPr>
-          <p:cNvPr id="614" name="Google Shape;614;p40"/>
+          <p:cNvPr id="618" name="Google Shape;618;p40"/>
           <p:cNvPicPr preferRelativeResize="0"/>
           <p:nvPr/>
         </p:nvPicPr>
@@ -39776,6 +39920,54 @@
           </a:ln>
         </p:spPr>
       </p:pic>
+      <p:sp>
+        <p:nvSpPr>
+          <p:cNvPr id="619" name="Google Shape;619;p40"/>
+          <p:cNvSpPr txBox="1"/>
+          <p:nvPr>
+            <p:ph idx="4294967295" type="subTitle"/>
+          </p:nvPr>
+        </p:nvSpPr>
+        <p:spPr>
+          <a:xfrm>
+            <a:off x="710125" y="4694725"/>
+            <a:ext cx="6121800" cy="357300"/>
+          </a:xfrm>
+          <a:prstGeom prst="rect">
+            <a:avLst/>
+          </a:prstGeom>
+        </p:spPr>
+        <p:txBody>
+          <a:bodyPr anchorCtr="0" anchor="ctr" bIns="91425" lIns="91425" spcFirstLastPara="1" rIns="91425" wrap="square" tIns="91425">
+            <a:noAutofit/>
+          </a:bodyPr>
+          <a:lstStyle/>
+          <a:p>
+            <a:pPr indent="0" lvl="0" marL="0" rtl="0" algn="l">
+              <a:spcBef>
+                <a:spcPts val="0"/>
+              </a:spcBef>
+              <a:spcAft>
+                <a:spcPts val="0"/>
+              </a:spcAft>
+              <a:buNone/>
+            </a:pPr>
+            <a:r>
+              <a:rPr lang="en">
+                <a:solidFill>
+                  <a:schemeClr val="accent3"/>
+                </a:solidFill>
+              </a:rPr>
+              <a:t>VallaTech Summit - Jetpack Compose -  GonzaCS</a:t>
+            </a:r>
+            <a:endParaRPr sz="1400">
+              <a:solidFill>
+                <a:schemeClr val="accent3"/>
+              </a:solidFill>
+            </a:endParaRPr>
+          </a:p>
+        </p:txBody>
+      </p:sp>
     </p:spTree>
   </p:cSld>
   <p:clrMapOvr>
@@ -39789,7 +39981,7 @@
   <p:cSld>
     <p:spTree>
       <p:nvGrpSpPr>
-        <p:cNvPr id="618" name="Shape 618"/>
+        <p:cNvPr id="623" name="Shape 623"/>
         <p:cNvGrpSpPr/>
         <p:nvPr/>
       </p:nvGrpSpPr>
@@ -39803,7 +39995,7 @@
       </p:grpSpPr>
       <p:sp>
         <p:nvSpPr>
-          <p:cNvPr id="619" name="Google Shape;619;p41"/>
+          <p:cNvPr id="624" name="Google Shape;624;p41"/>
           <p:cNvSpPr txBox="1"/>
           <p:nvPr>
             <p:ph type="title"/>
@@ -39859,7 +40051,7 @@
       </p:sp>
       <p:sp>
         <p:nvSpPr>
-          <p:cNvPr id="620" name="Google Shape;620;p41"/>
+          <p:cNvPr id="625" name="Google Shape;625;p41"/>
           <p:cNvSpPr txBox="1"/>
           <p:nvPr>
             <p:ph idx="2" type="title"/>
@@ -39931,7 +40123,7 @@
       </p:sp>
       <p:sp>
         <p:nvSpPr>
-          <p:cNvPr id="621" name="Google Shape;621;p41"/>
+          <p:cNvPr id="626" name="Google Shape;626;p41"/>
           <p:cNvSpPr txBox="1"/>
           <p:nvPr/>
         </p:nvSpPr>
@@ -39989,9 +40181,9 @@
       </p:sp>
       <p:cxnSp>
         <p:nvCxnSpPr>
-          <p:cNvPr id="622" name="Google Shape;622;p41"/>
+          <p:cNvPr id="627" name="Google Shape;627;p41"/>
           <p:cNvCxnSpPr>
-            <a:endCxn id="621" idx="0"/>
+            <a:endCxn id="626" idx="0"/>
           </p:cNvCxnSpPr>
           <p:nvPr/>
         </p:nvCxnSpPr>
@@ -40017,7 +40209,7 @@
       </p:cxnSp>
       <p:sp>
         <p:nvSpPr>
-          <p:cNvPr id="623" name="Google Shape;623;p41"/>
+          <p:cNvPr id="628" name="Google Shape;628;p41"/>
           <p:cNvSpPr txBox="1"/>
           <p:nvPr/>
         </p:nvSpPr>
@@ -40290,6 +40482,54 @@
               <a:ea typeface="Fira Code"/>
               <a:cs typeface="Fira Code"/>
               <a:sym typeface="Fira Code"/>
+            </a:endParaRPr>
+          </a:p>
+        </p:txBody>
+      </p:sp>
+      <p:sp>
+        <p:nvSpPr>
+          <p:cNvPr id="629" name="Google Shape;629;p41"/>
+          <p:cNvSpPr txBox="1"/>
+          <p:nvPr>
+            <p:ph idx="4294967295" type="subTitle"/>
+          </p:nvPr>
+        </p:nvSpPr>
+        <p:spPr>
+          <a:xfrm>
+            <a:off x="710125" y="4694725"/>
+            <a:ext cx="6121800" cy="357300"/>
+          </a:xfrm>
+          <a:prstGeom prst="rect">
+            <a:avLst/>
+          </a:prstGeom>
+        </p:spPr>
+        <p:txBody>
+          <a:bodyPr anchorCtr="0" anchor="ctr" bIns="91425" lIns="91425" spcFirstLastPara="1" rIns="91425" wrap="square" tIns="91425">
+            <a:noAutofit/>
+          </a:bodyPr>
+          <a:lstStyle/>
+          <a:p>
+            <a:pPr indent="0" lvl="0" marL="0" rtl="0" algn="l">
+              <a:spcBef>
+                <a:spcPts val="0"/>
+              </a:spcBef>
+              <a:spcAft>
+                <a:spcPts val="0"/>
+              </a:spcAft>
+              <a:buNone/>
+            </a:pPr>
+            <a:r>
+              <a:rPr lang="en">
+                <a:solidFill>
+                  <a:schemeClr val="accent3"/>
+                </a:solidFill>
+              </a:rPr>
+              <a:t>VallaTech Summit - Jetpack Compose -  GonzaCS</a:t>
+            </a:r>
+            <a:endParaRPr sz="1400">
+              <a:solidFill>
+                <a:schemeClr val="accent3"/>
+              </a:solidFill>
             </a:endParaRPr>
           </a:p>
         </p:txBody>
@@ -40307,7 +40547,7 @@
   <p:cSld>
     <p:spTree>
       <p:nvGrpSpPr>
-        <p:cNvPr id="627" name="Shape 627"/>
+        <p:cNvPr id="633" name="Shape 633"/>
         <p:cNvGrpSpPr/>
         <p:nvPr/>
       </p:nvGrpSpPr>
@@ -40321,7 +40561,7 @@
       </p:grpSpPr>
       <p:sp>
         <p:nvSpPr>
-          <p:cNvPr id="628" name="Google Shape;628;p42"/>
+          <p:cNvPr id="634" name="Google Shape;634;p42"/>
           <p:cNvSpPr txBox="1"/>
           <p:nvPr>
             <p:ph type="title"/>
@@ -40377,7 +40617,7 @@
       </p:sp>
       <p:sp>
         <p:nvSpPr>
-          <p:cNvPr id="629" name="Google Shape;629;p42"/>
+          <p:cNvPr id="635" name="Google Shape;635;p42"/>
           <p:cNvSpPr txBox="1"/>
           <p:nvPr/>
         </p:nvSpPr>
@@ -40435,9 +40675,9 @@
       </p:sp>
       <p:cxnSp>
         <p:nvCxnSpPr>
-          <p:cNvPr id="630" name="Google Shape;630;p42"/>
+          <p:cNvPr id="636" name="Google Shape;636;p42"/>
           <p:cNvCxnSpPr>
-            <a:endCxn id="629" idx="0"/>
+            <a:endCxn id="635" idx="0"/>
           </p:cNvCxnSpPr>
           <p:nvPr/>
         </p:nvCxnSpPr>
@@ -40463,7 +40703,7 @@
       </p:cxnSp>
       <p:pic>
         <p:nvPicPr>
-          <p:cNvPr id="631" name="Google Shape;631;p42"/>
+          <p:cNvPr id="637" name="Google Shape;637;p42"/>
           <p:cNvPicPr preferRelativeResize="0"/>
           <p:nvPr/>
         </p:nvPicPr>
@@ -40491,7 +40731,7 @@
       </p:pic>
       <p:pic>
         <p:nvPicPr>
-          <p:cNvPr id="632" name="Google Shape;632;p42"/>
+          <p:cNvPr id="638" name="Google Shape;638;p42"/>
           <p:cNvPicPr preferRelativeResize="0"/>
           <p:nvPr/>
         </p:nvPicPr>
@@ -40517,6 +40757,54 @@
           </a:ln>
         </p:spPr>
       </p:pic>
+      <p:sp>
+        <p:nvSpPr>
+          <p:cNvPr id="639" name="Google Shape;639;p42"/>
+          <p:cNvSpPr txBox="1"/>
+          <p:nvPr>
+            <p:ph idx="4294967295" type="subTitle"/>
+          </p:nvPr>
+        </p:nvSpPr>
+        <p:spPr>
+          <a:xfrm>
+            <a:off x="710125" y="4694725"/>
+            <a:ext cx="6121800" cy="357300"/>
+          </a:xfrm>
+          <a:prstGeom prst="rect">
+            <a:avLst/>
+          </a:prstGeom>
+        </p:spPr>
+        <p:txBody>
+          <a:bodyPr anchorCtr="0" anchor="ctr" bIns="91425" lIns="91425" spcFirstLastPara="1" rIns="91425" wrap="square" tIns="91425">
+            <a:noAutofit/>
+          </a:bodyPr>
+          <a:lstStyle/>
+          <a:p>
+            <a:pPr indent="0" lvl="0" marL="0" rtl="0" algn="l">
+              <a:spcBef>
+                <a:spcPts val="0"/>
+              </a:spcBef>
+              <a:spcAft>
+                <a:spcPts val="0"/>
+              </a:spcAft>
+              <a:buNone/>
+            </a:pPr>
+            <a:r>
+              <a:rPr lang="en">
+                <a:solidFill>
+                  <a:schemeClr val="accent3"/>
+                </a:solidFill>
+              </a:rPr>
+              <a:t>VallaTech Summit - Jetpack Compose -  GonzaCS</a:t>
+            </a:r>
+            <a:endParaRPr sz="1400">
+              <a:solidFill>
+                <a:schemeClr val="accent3"/>
+              </a:solidFill>
+            </a:endParaRPr>
+          </a:p>
+        </p:txBody>
+      </p:sp>
     </p:spTree>
   </p:cSld>
   <p:clrMapOvr>
@@ -40530,7 +40818,7 @@
   <p:cSld>
     <p:spTree>
       <p:nvGrpSpPr>
-        <p:cNvPr id="636" name="Shape 636"/>
+        <p:cNvPr id="643" name="Shape 643"/>
         <p:cNvGrpSpPr/>
         <p:nvPr/>
       </p:nvGrpSpPr>
@@ -40544,7 +40832,7 @@
       </p:grpSpPr>
       <p:sp>
         <p:nvSpPr>
-          <p:cNvPr id="637" name="Google Shape;637;p43"/>
+          <p:cNvPr id="644" name="Google Shape;644;p43"/>
           <p:cNvSpPr txBox="1"/>
           <p:nvPr>
             <p:ph type="title"/>
@@ -40596,7 +40884,7 @@
       </p:sp>
       <p:sp>
         <p:nvSpPr>
-          <p:cNvPr id="638" name="Google Shape;638;p43"/>
+          <p:cNvPr id="645" name="Google Shape;645;p43"/>
           <p:cNvSpPr txBox="1"/>
           <p:nvPr/>
         </p:nvSpPr>
@@ -40654,9 +40942,9 @@
       </p:sp>
       <p:cxnSp>
         <p:nvCxnSpPr>
-          <p:cNvPr id="639" name="Google Shape;639;p43"/>
+          <p:cNvPr id="646" name="Google Shape;646;p43"/>
           <p:cNvCxnSpPr>
-            <a:endCxn id="638" idx="0"/>
+            <a:endCxn id="645" idx="0"/>
           </p:cNvCxnSpPr>
           <p:nvPr/>
         </p:nvCxnSpPr>
@@ -40682,7 +40970,7 @@
       </p:cxnSp>
       <p:pic>
         <p:nvPicPr>
-          <p:cNvPr id="640" name="Google Shape;640;p43"/>
+          <p:cNvPr id="647" name="Google Shape;647;p43"/>
           <p:cNvPicPr preferRelativeResize="0"/>
           <p:nvPr/>
         </p:nvPicPr>
@@ -40710,7 +40998,7 @@
       </p:pic>
       <p:pic>
         <p:nvPicPr>
-          <p:cNvPr id="641" name="Google Shape;641;p43"/>
+          <p:cNvPr id="648" name="Google Shape;648;p43"/>
           <p:cNvPicPr preferRelativeResize="0"/>
           <p:nvPr/>
         </p:nvPicPr>
@@ -40736,6 +41024,54 @@
           </a:ln>
         </p:spPr>
       </p:pic>
+      <p:sp>
+        <p:nvSpPr>
+          <p:cNvPr id="649" name="Google Shape;649;p43"/>
+          <p:cNvSpPr txBox="1"/>
+          <p:nvPr>
+            <p:ph idx="4294967295" type="subTitle"/>
+          </p:nvPr>
+        </p:nvSpPr>
+        <p:spPr>
+          <a:xfrm>
+            <a:off x="710125" y="4694725"/>
+            <a:ext cx="6121800" cy="357300"/>
+          </a:xfrm>
+          <a:prstGeom prst="rect">
+            <a:avLst/>
+          </a:prstGeom>
+        </p:spPr>
+        <p:txBody>
+          <a:bodyPr anchorCtr="0" anchor="ctr" bIns="91425" lIns="91425" spcFirstLastPara="1" rIns="91425" wrap="square" tIns="91425">
+            <a:noAutofit/>
+          </a:bodyPr>
+          <a:lstStyle/>
+          <a:p>
+            <a:pPr indent="0" lvl="0" marL="0" rtl="0" algn="l">
+              <a:spcBef>
+                <a:spcPts val="0"/>
+              </a:spcBef>
+              <a:spcAft>
+                <a:spcPts val="0"/>
+              </a:spcAft>
+              <a:buNone/>
+            </a:pPr>
+            <a:r>
+              <a:rPr lang="en">
+                <a:solidFill>
+                  <a:schemeClr val="accent3"/>
+                </a:solidFill>
+              </a:rPr>
+              <a:t>VallaTech Summit - Jetpack Compose -  GonzaCS</a:t>
+            </a:r>
+            <a:endParaRPr sz="1400">
+              <a:solidFill>
+                <a:schemeClr val="accent3"/>
+              </a:solidFill>
+            </a:endParaRPr>
+          </a:p>
+        </p:txBody>
+      </p:sp>
     </p:spTree>
   </p:cSld>
   <p:clrMapOvr>
@@ -40771,7 +41107,7 @@
         </p:nvSpPr>
         <p:spPr>
           <a:xfrm flipH="1">
-            <a:off x="1869024" y="300375"/>
+            <a:off x="1466474" y="669375"/>
             <a:ext cx="5796300" cy="1104600"/>
           </a:xfrm>
           <a:prstGeom prst="rect">
@@ -40823,7 +41159,7 @@
         </p:nvSpPr>
         <p:spPr>
           <a:xfrm>
-            <a:off x="2605800" y="1313225"/>
+            <a:off x="2203250" y="1682225"/>
             <a:ext cx="6341100" cy="2410200"/>
           </a:xfrm>
           <a:prstGeom prst="rect">
@@ -41176,14 +41512,12 @@
       <p:cxnSp>
         <p:nvCxnSpPr>
           <p:cNvPr id="469" name="Google Shape;469;p26"/>
-          <p:cNvCxnSpPr>
-            <a:endCxn id="470" idx="0"/>
-          </p:cNvCxnSpPr>
+          <p:cNvCxnSpPr/>
           <p:nvPr/>
         </p:nvCxnSpPr>
         <p:spPr>
           <a:xfrm>
-            <a:off x="2366625" y="1404975"/>
+            <a:off x="1964075" y="1773975"/>
             <a:ext cx="0" cy="2410200"/>
           </a:xfrm>
           <a:prstGeom prst="straightConnector1">
@@ -41203,7 +41537,7 @@
       </p:cxnSp>
       <p:sp>
         <p:nvSpPr>
-          <p:cNvPr id="471" name="Google Shape;471;p26"/>
+          <p:cNvPr id="470" name="Google Shape;470;p26"/>
           <p:cNvSpPr txBox="1"/>
           <p:nvPr>
             <p:ph idx="4294967295" type="subTitle"/>
@@ -41240,6 +41574,54 @@
                 </a:solidFill>
               </a:rPr>
               <a:t>Kotlin</a:t>
+            </a:r>
+            <a:endParaRPr sz="1400">
+              <a:solidFill>
+                <a:schemeClr val="accent3"/>
+              </a:solidFill>
+            </a:endParaRPr>
+          </a:p>
+        </p:txBody>
+      </p:sp>
+      <p:sp>
+        <p:nvSpPr>
+          <p:cNvPr id="471" name="Google Shape;471;p26"/>
+          <p:cNvSpPr txBox="1"/>
+          <p:nvPr>
+            <p:ph idx="4294967295" type="subTitle"/>
+          </p:nvPr>
+        </p:nvSpPr>
+        <p:spPr>
+          <a:xfrm>
+            <a:off x="710125" y="4694725"/>
+            <a:ext cx="6121800" cy="357300"/>
+          </a:xfrm>
+          <a:prstGeom prst="rect">
+            <a:avLst/>
+          </a:prstGeom>
+        </p:spPr>
+        <p:txBody>
+          <a:bodyPr anchorCtr="0" anchor="ctr" bIns="91425" lIns="91425" spcFirstLastPara="1" rIns="91425" wrap="square" tIns="91425">
+            <a:noAutofit/>
+          </a:bodyPr>
+          <a:lstStyle/>
+          <a:p>
+            <a:pPr indent="0" lvl="0" marL="0" rtl="0" algn="l">
+              <a:spcBef>
+                <a:spcPts val="0"/>
+              </a:spcBef>
+              <a:spcAft>
+                <a:spcPts val="0"/>
+              </a:spcAft>
+              <a:buNone/>
+            </a:pPr>
+            <a:r>
+              <a:rPr lang="en">
+                <a:solidFill>
+                  <a:schemeClr val="accent3"/>
+                </a:solidFill>
+              </a:rPr>
+              <a:t>VallaTech Summit - Jetpack Compose -  GonzaCS</a:t>
             </a:r>
             <a:endParaRPr sz="1400">
               <a:solidFill>
@@ -41262,7 +41644,7 @@
   <p:cSld>
     <p:spTree>
       <p:nvGrpSpPr>
-        <p:cNvPr id="645" name="Shape 645"/>
+        <p:cNvPr id="653" name="Shape 653"/>
         <p:cNvGrpSpPr/>
         <p:nvPr/>
       </p:nvGrpSpPr>
@@ -41276,7 +41658,7 @@
       </p:grpSpPr>
       <p:sp>
         <p:nvSpPr>
-          <p:cNvPr id="646" name="Google Shape;646;p44"/>
+          <p:cNvPr id="654" name="Google Shape;654;p44"/>
           <p:cNvSpPr txBox="1"/>
           <p:nvPr>
             <p:ph type="title"/>
@@ -41328,7 +41710,7 @@
       </p:sp>
       <p:sp>
         <p:nvSpPr>
-          <p:cNvPr id="647" name="Google Shape;647;p44"/>
+          <p:cNvPr id="655" name="Google Shape;655;p44"/>
           <p:cNvSpPr txBox="1"/>
           <p:nvPr/>
         </p:nvSpPr>
@@ -41386,9 +41768,9 @@
       </p:sp>
       <p:cxnSp>
         <p:nvCxnSpPr>
-          <p:cNvPr id="648" name="Google Shape;648;p44"/>
+          <p:cNvPr id="656" name="Google Shape;656;p44"/>
           <p:cNvCxnSpPr>
-            <a:endCxn id="647" idx="0"/>
+            <a:endCxn id="655" idx="0"/>
           </p:cNvCxnSpPr>
           <p:nvPr/>
         </p:nvCxnSpPr>
@@ -41414,7 +41796,7 @@
       </p:cxnSp>
       <p:pic>
         <p:nvPicPr>
-          <p:cNvPr id="649" name="Google Shape;649;p44"/>
+          <p:cNvPr id="657" name="Google Shape;657;p44"/>
           <p:cNvPicPr preferRelativeResize="0"/>
           <p:nvPr/>
         </p:nvPicPr>
@@ -41442,7 +41824,7 @@
       </p:pic>
       <p:pic>
         <p:nvPicPr>
-          <p:cNvPr id="650" name="Google Shape;650;p44"/>
+          <p:cNvPr id="658" name="Google Shape;658;p44"/>
           <p:cNvPicPr preferRelativeResize="0"/>
           <p:nvPr/>
         </p:nvPicPr>
@@ -41470,7 +41852,7 @@
       </p:pic>
       <p:sp>
         <p:nvSpPr>
-          <p:cNvPr id="651" name="Google Shape;651;p44"/>
+          <p:cNvPr id="659" name="Google Shape;659;p44"/>
           <p:cNvSpPr txBox="1"/>
           <p:nvPr>
             <p:ph idx="2" type="title"/>
@@ -41533,6 +41915,54 @@
               <a:t> </a:t>
             </a:r>
             <a:endParaRPr>
+              <a:solidFill>
+                <a:schemeClr val="accent3"/>
+              </a:solidFill>
+            </a:endParaRPr>
+          </a:p>
+        </p:txBody>
+      </p:sp>
+      <p:sp>
+        <p:nvSpPr>
+          <p:cNvPr id="660" name="Google Shape;660;p44"/>
+          <p:cNvSpPr txBox="1"/>
+          <p:nvPr>
+            <p:ph idx="4294967295" type="subTitle"/>
+          </p:nvPr>
+        </p:nvSpPr>
+        <p:spPr>
+          <a:xfrm>
+            <a:off x="710125" y="4694725"/>
+            <a:ext cx="6121800" cy="357300"/>
+          </a:xfrm>
+          <a:prstGeom prst="rect">
+            <a:avLst/>
+          </a:prstGeom>
+        </p:spPr>
+        <p:txBody>
+          <a:bodyPr anchorCtr="0" anchor="ctr" bIns="91425" lIns="91425" spcFirstLastPara="1" rIns="91425" wrap="square" tIns="91425">
+            <a:noAutofit/>
+          </a:bodyPr>
+          <a:lstStyle/>
+          <a:p>
+            <a:pPr indent="0" lvl="0" marL="0" rtl="0" algn="l">
+              <a:spcBef>
+                <a:spcPts val="0"/>
+              </a:spcBef>
+              <a:spcAft>
+                <a:spcPts val="0"/>
+              </a:spcAft>
+              <a:buNone/>
+            </a:pPr>
+            <a:r>
+              <a:rPr lang="en">
+                <a:solidFill>
+                  <a:schemeClr val="accent3"/>
+                </a:solidFill>
+              </a:rPr>
+              <a:t>VallaTech Summit - Jetpack Compose -  GonzaCS</a:t>
+            </a:r>
+            <a:endParaRPr sz="1400">
               <a:solidFill>
                 <a:schemeClr val="accent3"/>
               </a:solidFill>
@@ -41553,7 +41983,7 @@
   <p:cSld>
     <p:spTree>
       <p:nvGrpSpPr>
-        <p:cNvPr id="655" name="Shape 655"/>
+        <p:cNvPr id="664" name="Shape 664"/>
         <p:cNvGrpSpPr/>
         <p:nvPr/>
       </p:nvGrpSpPr>
@@ -41567,7 +41997,7 @@
       </p:grpSpPr>
       <p:sp>
         <p:nvSpPr>
-          <p:cNvPr id="656" name="Google Shape;656;p45"/>
+          <p:cNvPr id="665" name="Google Shape;665;p45"/>
           <p:cNvSpPr txBox="1"/>
           <p:nvPr>
             <p:ph type="title"/>
@@ -41619,7 +42049,7 @@
       </p:sp>
       <p:sp>
         <p:nvSpPr>
-          <p:cNvPr id="657" name="Google Shape;657;p45"/>
+          <p:cNvPr id="666" name="Google Shape;666;p45"/>
           <p:cNvSpPr txBox="1"/>
           <p:nvPr/>
         </p:nvSpPr>
@@ -41677,9 +42107,9 @@
       </p:sp>
       <p:cxnSp>
         <p:nvCxnSpPr>
-          <p:cNvPr id="658" name="Google Shape;658;p45"/>
+          <p:cNvPr id="667" name="Google Shape;667;p45"/>
           <p:cNvCxnSpPr>
-            <a:endCxn id="657" idx="0"/>
+            <a:endCxn id="666" idx="0"/>
           </p:cNvCxnSpPr>
           <p:nvPr/>
         </p:nvCxnSpPr>
@@ -41705,7 +42135,7 @@
       </p:cxnSp>
       <p:pic>
         <p:nvPicPr>
-          <p:cNvPr id="659" name="Google Shape;659;p45"/>
+          <p:cNvPr id="668" name="Google Shape;668;p45"/>
           <p:cNvPicPr preferRelativeResize="0"/>
           <p:nvPr/>
         </p:nvPicPr>
@@ -41730,6 +42160,54 @@
           </a:ln>
         </p:spPr>
       </p:pic>
+      <p:sp>
+        <p:nvSpPr>
+          <p:cNvPr id="669" name="Google Shape;669;p45"/>
+          <p:cNvSpPr txBox="1"/>
+          <p:nvPr>
+            <p:ph idx="4294967295" type="subTitle"/>
+          </p:nvPr>
+        </p:nvSpPr>
+        <p:spPr>
+          <a:xfrm>
+            <a:off x="710125" y="4694725"/>
+            <a:ext cx="6121800" cy="357300"/>
+          </a:xfrm>
+          <a:prstGeom prst="rect">
+            <a:avLst/>
+          </a:prstGeom>
+        </p:spPr>
+        <p:txBody>
+          <a:bodyPr anchorCtr="0" anchor="ctr" bIns="91425" lIns="91425" spcFirstLastPara="1" rIns="91425" wrap="square" tIns="91425">
+            <a:noAutofit/>
+          </a:bodyPr>
+          <a:lstStyle/>
+          <a:p>
+            <a:pPr indent="0" lvl="0" marL="0" rtl="0" algn="l">
+              <a:spcBef>
+                <a:spcPts val="0"/>
+              </a:spcBef>
+              <a:spcAft>
+                <a:spcPts val="0"/>
+              </a:spcAft>
+              <a:buNone/>
+            </a:pPr>
+            <a:r>
+              <a:rPr lang="en">
+                <a:solidFill>
+                  <a:schemeClr val="accent3"/>
+                </a:solidFill>
+              </a:rPr>
+              <a:t>VallaTech Summit - Jetpack Compose -  GonzaCS</a:t>
+            </a:r>
+            <a:endParaRPr sz="1400">
+              <a:solidFill>
+                <a:schemeClr val="accent3"/>
+              </a:solidFill>
+            </a:endParaRPr>
+          </a:p>
+        </p:txBody>
+      </p:sp>
     </p:spTree>
   </p:cSld>
   <p:clrMapOvr>
@@ -41743,7 +42221,7 @@
   <p:cSld>
     <p:spTree>
       <p:nvGrpSpPr>
-        <p:cNvPr id="663" name="Shape 663"/>
+        <p:cNvPr id="673" name="Shape 673"/>
         <p:cNvGrpSpPr/>
         <p:nvPr/>
       </p:nvGrpSpPr>
@@ -41757,7 +42235,7 @@
       </p:grpSpPr>
       <p:sp>
         <p:nvSpPr>
-          <p:cNvPr id="664" name="Google Shape;664;p46"/>
+          <p:cNvPr id="674" name="Google Shape;674;p46"/>
           <p:cNvSpPr txBox="1"/>
           <p:nvPr>
             <p:ph type="title"/>
@@ -41809,7 +42287,7 @@
       </p:sp>
       <p:sp>
         <p:nvSpPr>
-          <p:cNvPr id="665" name="Google Shape;665;p46"/>
+          <p:cNvPr id="675" name="Google Shape;675;p46"/>
           <p:cNvSpPr txBox="1"/>
           <p:nvPr/>
         </p:nvSpPr>
@@ -41867,9 +42345,9 @@
       </p:sp>
       <p:cxnSp>
         <p:nvCxnSpPr>
-          <p:cNvPr id="666" name="Google Shape;666;p46"/>
+          <p:cNvPr id="676" name="Google Shape;676;p46"/>
           <p:cNvCxnSpPr>
-            <a:endCxn id="665" idx="0"/>
+            <a:endCxn id="675" idx="0"/>
           </p:cNvCxnSpPr>
           <p:nvPr/>
         </p:nvCxnSpPr>
@@ -41895,7 +42373,7 @@
       </p:cxnSp>
       <p:pic>
         <p:nvPicPr>
-          <p:cNvPr id="667" name="Google Shape;667;p46"/>
+          <p:cNvPr id="677" name="Google Shape;677;p46"/>
           <p:cNvPicPr preferRelativeResize="0"/>
           <p:nvPr/>
         </p:nvPicPr>
@@ -41909,7 +42387,7 @@
         <p:spPr>
           <a:xfrm>
             <a:off x="2960675" y="571225"/>
-            <a:ext cx="5984524" cy="4138426"/>
+            <a:ext cx="5771074" cy="3990825"/>
           </a:xfrm>
           <a:prstGeom prst="rect">
             <a:avLst/>
@@ -41920,6 +42398,54 @@
           </a:ln>
         </p:spPr>
       </p:pic>
+      <p:sp>
+        <p:nvSpPr>
+          <p:cNvPr id="678" name="Google Shape;678;p46"/>
+          <p:cNvSpPr txBox="1"/>
+          <p:nvPr>
+            <p:ph idx="4294967295" type="subTitle"/>
+          </p:nvPr>
+        </p:nvSpPr>
+        <p:spPr>
+          <a:xfrm>
+            <a:off x="710125" y="4694725"/>
+            <a:ext cx="6121800" cy="357300"/>
+          </a:xfrm>
+          <a:prstGeom prst="rect">
+            <a:avLst/>
+          </a:prstGeom>
+        </p:spPr>
+        <p:txBody>
+          <a:bodyPr anchorCtr="0" anchor="ctr" bIns="91425" lIns="91425" spcFirstLastPara="1" rIns="91425" wrap="square" tIns="91425">
+            <a:noAutofit/>
+          </a:bodyPr>
+          <a:lstStyle/>
+          <a:p>
+            <a:pPr indent="0" lvl="0" marL="0" rtl="0" algn="l">
+              <a:spcBef>
+                <a:spcPts val="0"/>
+              </a:spcBef>
+              <a:spcAft>
+                <a:spcPts val="0"/>
+              </a:spcAft>
+              <a:buNone/>
+            </a:pPr>
+            <a:r>
+              <a:rPr lang="en">
+                <a:solidFill>
+                  <a:schemeClr val="accent3"/>
+                </a:solidFill>
+              </a:rPr>
+              <a:t>VallaTech Summit - Jetpack Compose -  GonzaCS</a:t>
+            </a:r>
+            <a:endParaRPr sz="1400">
+              <a:solidFill>
+                <a:schemeClr val="accent3"/>
+              </a:solidFill>
+            </a:endParaRPr>
+          </a:p>
+        </p:txBody>
+      </p:sp>
     </p:spTree>
   </p:cSld>
   <p:clrMapOvr>
@@ -41933,7 +42459,7 @@
   <p:cSld>
     <p:spTree>
       <p:nvGrpSpPr>
-        <p:cNvPr id="671" name="Shape 671"/>
+        <p:cNvPr id="682" name="Shape 682"/>
         <p:cNvGrpSpPr/>
         <p:nvPr/>
       </p:nvGrpSpPr>
@@ -41947,7 +42473,7 @@
       </p:grpSpPr>
       <p:sp>
         <p:nvSpPr>
-          <p:cNvPr id="672" name="Google Shape;672;p47"/>
+          <p:cNvPr id="683" name="Google Shape;683;p47"/>
           <p:cNvSpPr txBox="1"/>
           <p:nvPr>
             <p:ph type="title"/>
@@ -42003,7 +42529,7 @@
       </p:sp>
       <p:sp>
         <p:nvSpPr>
-          <p:cNvPr id="673" name="Google Shape;673;p47"/>
+          <p:cNvPr id="684" name="Google Shape;684;p47"/>
           <p:cNvSpPr txBox="1"/>
           <p:nvPr>
             <p:ph idx="2" type="title"/>
@@ -42075,7 +42601,7 @@
       </p:sp>
       <p:sp>
         <p:nvSpPr>
-          <p:cNvPr id="674" name="Google Shape;674;p47"/>
+          <p:cNvPr id="685" name="Google Shape;685;p47"/>
           <p:cNvSpPr txBox="1"/>
           <p:nvPr/>
         </p:nvSpPr>
@@ -42133,9 +42659,9 @@
       </p:sp>
       <p:cxnSp>
         <p:nvCxnSpPr>
-          <p:cNvPr id="675" name="Google Shape;675;p47"/>
+          <p:cNvPr id="686" name="Google Shape;686;p47"/>
           <p:cNvCxnSpPr>
-            <a:endCxn id="674" idx="0"/>
+            <a:endCxn id="685" idx="0"/>
           </p:cNvCxnSpPr>
           <p:nvPr/>
         </p:nvCxnSpPr>
@@ -42161,14 +42687,14 @@
       </p:cxnSp>
       <p:sp>
         <p:nvSpPr>
-          <p:cNvPr id="676" name="Google Shape;676;p47"/>
+          <p:cNvPr id="687" name="Google Shape;687;p47"/>
           <p:cNvSpPr txBox="1"/>
           <p:nvPr/>
         </p:nvSpPr>
         <p:spPr>
           <a:xfrm>
             <a:off x="1273825" y="3027375"/>
-            <a:ext cx="7806900" cy="461700"/>
+            <a:ext cx="7806900" cy="431100"/>
           </a:xfrm>
           <a:prstGeom prst="rect">
             <a:avLst/>
@@ -42194,7 +42720,7 @@
               <a:buNone/>
             </a:pPr>
             <a:r>
-              <a:rPr lang="en" sz="1800">
+              <a:rPr lang="en" sz="1600">
                 <a:solidFill>
                   <a:schemeClr val="accent3"/>
                 </a:solidFill>
@@ -42203,10 +42729,10 @@
                 <a:cs typeface="Fira Code"/>
                 <a:sym typeface="Fira Code"/>
               </a:rPr>
-              <a:t>&lt; </a:t>
-            </a:r>
-            <a:r>
-              <a:rPr lang="en" sz="1800">
+              <a:t>&lt;</a:t>
+            </a:r>
+            <a:r>
+              <a:rPr lang="en" sz="1600">
                 <a:solidFill>
                   <a:schemeClr val="accent3"/>
                 </a:solidFill>
@@ -42215,10 +42741,10 @@
                 <a:cs typeface="Fira Code"/>
                 <a:sym typeface="Fira Code"/>
               </a:rPr>
-              <a:t>https://github.com/GonzaCS/hoc_2021_jetpackcompose</a:t>
-            </a:r>
-            <a:r>
-              <a:rPr lang="en" sz="1800">
+              <a:t>https://github.com/GonzaCS/vallaTechSummit-jetpack-compose</a:t>
+            </a:r>
+            <a:r>
+              <a:rPr lang="en" sz="1600">
                 <a:solidFill>
                   <a:schemeClr val="accent3"/>
                 </a:solidFill>
@@ -42229,7 +42755,55 @@
               </a:rPr>
               <a:t> &gt;</a:t>
             </a:r>
-            <a:endParaRPr/>
+            <a:endParaRPr sz="1200"/>
+          </a:p>
+        </p:txBody>
+      </p:sp>
+      <p:sp>
+        <p:nvSpPr>
+          <p:cNvPr id="688" name="Google Shape;688;p47"/>
+          <p:cNvSpPr txBox="1"/>
+          <p:nvPr>
+            <p:ph idx="4294967295" type="subTitle"/>
+          </p:nvPr>
+        </p:nvSpPr>
+        <p:spPr>
+          <a:xfrm>
+            <a:off x="710125" y="4694725"/>
+            <a:ext cx="6121800" cy="357300"/>
+          </a:xfrm>
+          <a:prstGeom prst="rect">
+            <a:avLst/>
+          </a:prstGeom>
+        </p:spPr>
+        <p:txBody>
+          <a:bodyPr anchorCtr="0" anchor="ctr" bIns="91425" lIns="91425" spcFirstLastPara="1" rIns="91425" wrap="square" tIns="91425">
+            <a:noAutofit/>
+          </a:bodyPr>
+          <a:lstStyle/>
+          <a:p>
+            <a:pPr indent="0" lvl="0" marL="0" rtl="0" algn="l">
+              <a:spcBef>
+                <a:spcPts val="0"/>
+              </a:spcBef>
+              <a:spcAft>
+                <a:spcPts val="0"/>
+              </a:spcAft>
+              <a:buNone/>
+            </a:pPr>
+            <a:r>
+              <a:rPr lang="en">
+                <a:solidFill>
+                  <a:schemeClr val="accent3"/>
+                </a:solidFill>
+              </a:rPr>
+              <a:t>VallaTech Summit - Jetpack Compose -  GonzaCS</a:t>
+            </a:r>
+            <a:endParaRPr sz="1400">
+              <a:solidFill>
+                <a:schemeClr val="accent3"/>
+              </a:solidFill>
+            </a:endParaRPr>
           </a:p>
         </p:txBody>
       </p:sp>
@@ -42831,8 +43405,8 @@
         </p:nvSpPr>
         <p:spPr>
           <a:xfrm>
-            <a:off x="710125" y="4694725"/>
-            <a:ext cx="4865100" cy="357300"/>
+            <a:off x="-5975" y="91525"/>
+            <a:ext cx="4572000" cy="357300"/>
           </a:xfrm>
           <a:prstGeom prst="rect">
             <a:avLst/>
@@ -42844,18 +43418,18 @@
           </a:bodyPr>
           <a:lstStyle/>
           <a:p>
-            <a:pPr indent="0" lvl="0" marL="0" rtl="0" algn="l">
-              <a:spcBef>
-                <a:spcPts val="0"/>
-              </a:spcBef>
-              <a:spcAft>
-                <a:spcPts val="0"/>
-              </a:spcAft>
-              <a:buNone/>
-            </a:pPr>
-            <a:r>
-              <a:rPr lang="en"/>
-              <a:t>Kotlin</a:t>
+            <a:pPr indent="0" lvl="0" marL="0" rtl="0" algn="ctr">
+              <a:spcBef>
+                <a:spcPts val="0"/>
+              </a:spcBef>
+              <a:spcAft>
+                <a:spcPts val="0"/>
+              </a:spcAft>
+              <a:buNone/>
+            </a:pPr>
+            <a:r>
+              <a:rPr lang="en" sz="1400"/>
+              <a:t>JetPack_Compose.kt</a:t>
             </a:r>
             <a:endParaRPr sz="1400">
               <a:solidFill>
@@ -42875,8 +43449,8 @@
         </p:nvSpPr>
         <p:spPr>
           <a:xfrm>
-            <a:off x="-5975" y="91525"/>
-            <a:ext cx="4572000" cy="357300"/>
+            <a:off x="710125" y="4694725"/>
+            <a:ext cx="6121800" cy="357300"/>
           </a:xfrm>
           <a:prstGeom prst="rect">
             <a:avLst/>
@@ -42888,18 +43462,22 @@
           </a:bodyPr>
           <a:lstStyle/>
           <a:p>
-            <a:pPr indent="0" lvl="0" marL="0" rtl="0" algn="ctr">
-              <a:spcBef>
-                <a:spcPts val="0"/>
-              </a:spcBef>
-              <a:spcAft>
-                <a:spcPts val="0"/>
-              </a:spcAft>
-              <a:buNone/>
-            </a:pPr>
-            <a:r>
-              <a:rPr lang="en" sz="1400"/>
-              <a:t>JetPack_Compose.kt</a:t>
+            <a:pPr indent="0" lvl="0" marL="0" rtl="0" algn="l">
+              <a:spcBef>
+                <a:spcPts val="0"/>
+              </a:spcBef>
+              <a:spcAft>
+                <a:spcPts val="0"/>
+              </a:spcAft>
+              <a:buNone/>
+            </a:pPr>
+            <a:r>
+              <a:rPr lang="en">
+                <a:solidFill>
+                  <a:schemeClr val="accent3"/>
+                </a:solidFill>
+              </a:rPr>
+              <a:t>VallaTech Summit - Jetpack Compose -  GonzaCS</a:t>
             </a:r>
             <a:endParaRPr sz="1400">
               <a:solidFill>
@@ -43394,6 +43972,54 @@
           </a:ln>
         </p:spPr>
       </p:cxnSp>
+      <p:sp>
+        <p:nvSpPr>
+          <p:cNvPr id="509" name="Google Shape;509;p29"/>
+          <p:cNvSpPr txBox="1"/>
+          <p:nvPr>
+            <p:ph idx="4294967295" type="subTitle"/>
+          </p:nvPr>
+        </p:nvSpPr>
+        <p:spPr>
+          <a:xfrm>
+            <a:off x="710125" y="4694725"/>
+            <a:ext cx="6121800" cy="357300"/>
+          </a:xfrm>
+          <a:prstGeom prst="rect">
+            <a:avLst/>
+          </a:prstGeom>
+        </p:spPr>
+        <p:txBody>
+          <a:bodyPr anchorCtr="0" anchor="ctr" bIns="91425" lIns="91425" spcFirstLastPara="1" rIns="91425" wrap="square" tIns="91425">
+            <a:noAutofit/>
+          </a:bodyPr>
+          <a:lstStyle/>
+          <a:p>
+            <a:pPr indent="0" lvl="0" marL="0" rtl="0" algn="l">
+              <a:spcBef>
+                <a:spcPts val="0"/>
+              </a:spcBef>
+              <a:spcAft>
+                <a:spcPts val="0"/>
+              </a:spcAft>
+              <a:buNone/>
+            </a:pPr>
+            <a:r>
+              <a:rPr lang="en">
+                <a:solidFill>
+                  <a:schemeClr val="accent3"/>
+                </a:solidFill>
+              </a:rPr>
+              <a:t>VallaTech Summit - Jetpack Compose -  GonzaCS</a:t>
+            </a:r>
+            <a:endParaRPr sz="1400">
+              <a:solidFill>
+                <a:schemeClr val="accent3"/>
+              </a:solidFill>
+            </a:endParaRPr>
+          </a:p>
+        </p:txBody>
+      </p:sp>
     </p:spTree>
   </p:cSld>
   <p:clrMapOvr>
@@ -43407,7 +44033,7 @@
   <p:cSld>
     <p:spTree>
       <p:nvGrpSpPr>
-        <p:cNvPr id="512" name="Shape 512"/>
+        <p:cNvPr id="513" name="Shape 513"/>
         <p:cNvGrpSpPr/>
         <p:nvPr/>
       </p:nvGrpSpPr>
@@ -43421,7 +44047,7 @@
       </p:grpSpPr>
       <p:sp>
         <p:nvSpPr>
-          <p:cNvPr id="513" name="Google Shape;513;p30"/>
+          <p:cNvPr id="514" name="Google Shape;514;p30"/>
           <p:cNvSpPr txBox="1"/>
           <p:nvPr>
             <p:ph type="title"/>
@@ -43473,7 +44099,7 @@
       </p:sp>
       <p:sp>
         <p:nvSpPr>
-          <p:cNvPr id="514" name="Google Shape;514;p30"/>
+          <p:cNvPr id="515" name="Google Shape;515;p30"/>
           <p:cNvSpPr txBox="1"/>
           <p:nvPr>
             <p:ph idx="2" type="title"/>
@@ -43545,7 +44171,7 @@
       </p:sp>
       <p:sp>
         <p:nvSpPr>
-          <p:cNvPr id="515" name="Google Shape;515;p30"/>
+          <p:cNvPr id="516" name="Google Shape;516;p30"/>
           <p:cNvSpPr txBox="1"/>
           <p:nvPr>
             <p:ph idx="1" type="subTitle"/>
@@ -43647,7 +44273,7 @@
       </p:sp>
       <p:sp>
         <p:nvSpPr>
-          <p:cNvPr id="516" name="Google Shape;516;p30"/>
+          <p:cNvPr id="517" name="Google Shape;517;p30"/>
           <p:cNvSpPr txBox="1"/>
           <p:nvPr/>
         </p:nvSpPr>
@@ -43705,9 +44331,9 @@
       </p:sp>
       <p:cxnSp>
         <p:nvCxnSpPr>
-          <p:cNvPr id="517" name="Google Shape;517;p30"/>
+          <p:cNvPr id="518" name="Google Shape;518;p30"/>
           <p:cNvCxnSpPr>
-            <a:endCxn id="516" idx="0"/>
+            <a:endCxn id="517" idx="0"/>
           </p:cNvCxnSpPr>
           <p:nvPr/>
         </p:nvCxnSpPr>
@@ -43733,7 +44359,7 @@
       </p:cxnSp>
       <p:sp>
         <p:nvSpPr>
-          <p:cNvPr id="518" name="Google Shape;518;p30"/>
+          <p:cNvPr id="519" name="Google Shape;519;p30"/>
           <p:cNvSpPr txBox="1"/>
           <p:nvPr>
             <p:ph idx="4294967295" type="subTitle"/>
@@ -43742,7 +44368,7 @@
         <p:spPr>
           <a:xfrm>
             <a:off x="710125" y="4694725"/>
-            <a:ext cx="4865100" cy="357300"/>
+            <a:ext cx="6121800" cy="357300"/>
           </a:xfrm>
           <a:prstGeom prst="rect">
             <a:avLst/>
@@ -43764,12 +44390,12 @@
               <a:buNone/>
             </a:pPr>
             <a:r>
-              <a:rPr lang="en" sz="1400">
+              <a:rPr lang="en">
                 <a:solidFill>
                   <a:schemeClr val="accent3"/>
                 </a:solidFill>
               </a:rPr>
-              <a:t>Programming Language</a:t>
+              <a:t>VallaTech Summit - Jetpack Compose -  GonzaCS</a:t>
             </a:r>
             <a:endParaRPr sz="1400">
               <a:solidFill>
@@ -43792,7 +44418,7 @@
   <p:cSld>
     <p:spTree>
       <p:nvGrpSpPr>
-        <p:cNvPr id="522" name="Shape 522"/>
+        <p:cNvPr id="523" name="Shape 523"/>
         <p:cNvGrpSpPr/>
         <p:nvPr/>
       </p:nvGrpSpPr>
@@ -43806,7 +44432,7 @@
       </p:grpSpPr>
       <p:sp>
         <p:nvSpPr>
-          <p:cNvPr id="523" name="Google Shape;523;p31"/>
+          <p:cNvPr id="524" name="Google Shape;524;p31"/>
           <p:cNvSpPr txBox="1"/>
           <p:nvPr>
             <p:ph type="title"/>
@@ -43858,7 +44484,7 @@
       </p:sp>
       <p:sp>
         <p:nvSpPr>
-          <p:cNvPr id="524" name="Google Shape;524;p31"/>
+          <p:cNvPr id="525" name="Google Shape;525;p31"/>
           <p:cNvSpPr txBox="1"/>
           <p:nvPr>
             <p:ph idx="2" type="title"/>
@@ -43930,7 +44556,7 @@
       </p:sp>
       <p:sp>
         <p:nvSpPr>
-          <p:cNvPr id="525" name="Google Shape;525;p31"/>
+          <p:cNvPr id="526" name="Google Shape;526;p31"/>
           <p:cNvSpPr txBox="1"/>
           <p:nvPr>
             <p:ph idx="1" type="subTitle"/>
@@ -44016,7 +44642,7 @@
       </p:sp>
       <p:sp>
         <p:nvSpPr>
-          <p:cNvPr id="526" name="Google Shape;526;p31"/>
+          <p:cNvPr id="527" name="Google Shape;527;p31"/>
           <p:cNvSpPr txBox="1"/>
           <p:nvPr/>
         </p:nvSpPr>
@@ -44074,9 +44700,9 @@
       </p:sp>
       <p:cxnSp>
         <p:nvCxnSpPr>
-          <p:cNvPr id="527" name="Google Shape;527;p31"/>
+          <p:cNvPr id="528" name="Google Shape;528;p31"/>
           <p:cNvCxnSpPr>
-            <a:endCxn id="526" idx="0"/>
+            <a:endCxn id="527" idx="0"/>
           </p:cNvCxnSpPr>
           <p:nvPr/>
         </p:nvCxnSpPr>
@@ -44102,7 +44728,7 @@
       </p:cxnSp>
       <p:sp>
         <p:nvSpPr>
-          <p:cNvPr id="528" name="Google Shape;528;p31"/>
+          <p:cNvPr id="529" name="Google Shape;529;p31"/>
           <p:cNvSpPr txBox="1"/>
           <p:nvPr>
             <p:ph idx="4294967295" type="subTitle"/>
@@ -44111,7 +44737,7 @@
         <p:spPr>
           <a:xfrm>
             <a:off x="710125" y="4694725"/>
-            <a:ext cx="4865100" cy="357300"/>
+            <a:ext cx="6121800" cy="357300"/>
           </a:xfrm>
           <a:prstGeom prst="rect">
             <a:avLst/>
@@ -44133,12 +44759,12 @@
               <a:buNone/>
             </a:pPr>
             <a:r>
-              <a:rPr lang="en" sz="1400">
+              <a:rPr lang="en">
                 <a:solidFill>
                   <a:schemeClr val="accent3"/>
                 </a:solidFill>
               </a:rPr>
-              <a:t>Programming Language</a:t>
+              <a:t>VallaTech Summit - Jetpack Compose -  GonzaCS</a:t>
             </a:r>
             <a:endParaRPr sz="1400">
               <a:solidFill>
@@ -44161,7 +44787,7 @@
   <p:cSld>
     <p:spTree>
       <p:nvGrpSpPr>
-        <p:cNvPr id="532" name="Shape 532"/>
+        <p:cNvPr id="533" name="Shape 533"/>
         <p:cNvGrpSpPr/>
         <p:nvPr/>
       </p:nvGrpSpPr>
@@ -44175,7 +44801,7 @@
       </p:grpSpPr>
       <p:sp>
         <p:nvSpPr>
-          <p:cNvPr id="533" name="Google Shape;533;p32"/>
+          <p:cNvPr id="534" name="Google Shape;534;p32"/>
           <p:cNvSpPr txBox="1"/>
           <p:nvPr>
             <p:ph type="title"/>
@@ -44227,7 +44853,7 @@
       </p:sp>
       <p:sp>
         <p:nvSpPr>
-          <p:cNvPr id="534" name="Google Shape;534;p32"/>
+          <p:cNvPr id="535" name="Google Shape;535;p32"/>
           <p:cNvSpPr txBox="1"/>
           <p:nvPr>
             <p:ph idx="2" type="title"/>
@@ -44299,7 +44925,7 @@
       </p:sp>
       <p:sp>
         <p:nvSpPr>
-          <p:cNvPr id="535" name="Google Shape;535;p32"/>
+          <p:cNvPr id="536" name="Google Shape;536;p32"/>
           <p:cNvSpPr txBox="1"/>
           <p:nvPr/>
         </p:nvSpPr>
@@ -44357,9 +44983,9 @@
       </p:sp>
       <p:cxnSp>
         <p:nvCxnSpPr>
-          <p:cNvPr id="536" name="Google Shape;536;p32"/>
+          <p:cNvPr id="537" name="Google Shape;537;p32"/>
           <p:cNvCxnSpPr>
-            <a:endCxn id="535" idx="0"/>
+            <a:endCxn id="536" idx="0"/>
           </p:cNvCxnSpPr>
           <p:nvPr/>
         </p:nvCxnSpPr>
@@ -44383,54 +45009,6 @@
           </a:ln>
         </p:spPr>
       </p:cxnSp>
-      <p:sp>
-        <p:nvSpPr>
-          <p:cNvPr id="537" name="Google Shape;537;p32"/>
-          <p:cNvSpPr txBox="1"/>
-          <p:nvPr>
-            <p:ph idx="4294967295" type="subTitle"/>
-          </p:nvPr>
-        </p:nvSpPr>
-        <p:spPr>
-          <a:xfrm>
-            <a:off x="710125" y="4694725"/>
-            <a:ext cx="4865100" cy="357300"/>
-          </a:xfrm>
-          <a:prstGeom prst="rect">
-            <a:avLst/>
-          </a:prstGeom>
-        </p:spPr>
-        <p:txBody>
-          <a:bodyPr anchorCtr="0" anchor="ctr" bIns="91425" lIns="91425" spcFirstLastPara="1" rIns="91425" wrap="square" tIns="91425">
-            <a:noAutofit/>
-          </a:bodyPr>
-          <a:lstStyle/>
-          <a:p>
-            <a:pPr indent="0" lvl="0" marL="0" rtl="0" algn="l">
-              <a:spcBef>
-                <a:spcPts val="0"/>
-              </a:spcBef>
-              <a:spcAft>
-                <a:spcPts val="0"/>
-              </a:spcAft>
-              <a:buNone/>
-            </a:pPr>
-            <a:r>
-              <a:rPr lang="en" sz="1400">
-                <a:solidFill>
-                  <a:schemeClr val="accent3"/>
-                </a:solidFill>
-              </a:rPr>
-              <a:t>Programming Language</a:t>
-            </a:r>
-            <a:endParaRPr sz="1400">
-              <a:solidFill>
-                <a:schemeClr val="accent3"/>
-              </a:solidFill>
-            </a:endParaRPr>
-          </a:p>
-        </p:txBody>
-      </p:sp>
       <p:pic>
         <p:nvPicPr>
           <p:cNvPr id="538" name="Google Shape;538;p32"/>
@@ -44447,8 +45025,8 @@
         </p:blipFill>
         <p:spPr>
           <a:xfrm>
-            <a:off x="2389175" y="1835650"/>
-            <a:ext cx="5652699" cy="2410200"/>
+            <a:off x="2738625" y="1929488"/>
+            <a:ext cx="4249825" cy="2222525"/>
           </a:xfrm>
           <a:prstGeom prst="rect">
             <a:avLst/>
@@ -44459,6 +45037,54 @@
           </a:ln>
         </p:spPr>
       </p:pic>
+      <p:sp>
+        <p:nvSpPr>
+          <p:cNvPr id="539" name="Google Shape;539;p32"/>
+          <p:cNvSpPr txBox="1"/>
+          <p:nvPr>
+            <p:ph idx="4294967295" type="subTitle"/>
+          </p:nvPr>
+        </p:nvSpPr>
+        <p:spPr>
+          <a:xfrm>
+            <a:off x="710125" y="4694725"/>
+            <a:ext cx="6121800" cy="357300"/>
+          </a:xfrm>
+          <a:prstGeom prst="rect">
+            <a:avLst/>
+          </a:prstGeom>
+        </p:spPr>
+        <p:txBody>
+          <a:bodyPr anchorCtr="0" anchor="ctr" bIns="91425" lIns="91425" spcFirstLastPara="1" rIns="91425" wrap="square" tIns="91425">
+            <a:noAutofit/>
+          </a:bodyPr>
+          <a:lstStyle/>
+          <a:p>
+            <a:pPr indent="0" lvl="0" marL="0" rtl="0" algn="l">
+              <a:spcBef>
+                <a:spcPts val="0"/>
+              </a:spcBef>
+              <a:spcAft>
+                <a:spcPts val="0"/>
+              </a:spcAft>
+              <a:buNone/>
+            </a:pPr>
+            <a:r>
+              <a:rPr lang="en">
+                <a:solidFill>
+                  <a:schemeClr val="accent3"/>
+                </a:solidFill>
+              </a:rPr>
+              <a:t>VallaTech Summit - Jetpack Compose -  GonzaCS</a:t>
+            </a:r>
+            <a:endParaRPr sz="1400">
+              <a:solidFill>
+                <a:schemeClr val="accent3"/>
+              </a:solidFill>
+            </a:endParaRPr>
+          </a:p>
+        </p:txBody>
+      </p:sp>
     </p:spTree>
   </p:cSld>
   <p:clrMapOvr>
@@ -44472,7 +45098,7 @@
   <p:cSld>
     <p:spTree>
       <p:nvGrpSpPr>
-        <p:cNvPr id="542" name="Shape 542"/>
+        <p:cNvPr id="543" name="Shape 543"/>
         <p:cNvGrpSpPr/>
         <p:nvPr/>
       </p:nvGrpSpPr>
@@ -44486,7 +45112,7 @@
       </p:grpSpPr>
       <p:sp>
         <p:nvSpPr>
-          <p:cNvPr id="543" name="Google Shape;543;p33"/>
+          <p:cNvPr id="544" name="Google Shape;544;p33"/>
           <p:cNvSpPr txBox="1"/>
           <p:nvPr>
             <p:ph type="title"/>
@@ -44538,7 +45164,7 @@
       </p:sp>
       <p:sp>
         <p:nvSpPr>
-          <p:cNvPr id="544" name="Google Shape;544;p33"/>
+          <p:cNvPr id="545" name="Google Shape;545;p33"/>
           <p:cNvSpPr txBox="1"/>
           <p:nvPr>
             <p:ph idx="2" type="title"/>
@@ -44610,7 +45236,7 @@
       </p:sp>
       <p:sp>
         <p:nvSpPr>
-          <p:cNvPr id="545" name="Google Shape;545;p33"/>
+          <p:cNvPr id="546" name="Google Shape;546;p33"/>
           <p:cNvSpPr txBox="1"/>
           <p:nvPr>
             <p:ph idx="1" type="subTitle"/>
@@ -44712,7 +45338,7 @@
       </p:sp>
       <p:sp>
         <p:nvSpPr>
-          <p:cNvPr id="546" name="Google Shape;546;p33"/>
+          <p:cNvPr id="547" name="Google Shape;547;p33"/>
           <p:cNvSpPr txBox="1"/>
           <p:nvPr/>
         </p:nvSpPr>
@@ -44770,9 +45396,9 @@
       </p:sp>
       <p:cxnSp>
         <p:nvCxnSpPr>
-          <p:cNvPr id="547" name="Google Shape;547;p33"/>
+          <p:cNvPr id="548" name="Google Shape;548;p33"/>
           <p:cNvCxnSpPr>
-            <a:endCxn id="546" idx="0"/>
+            <a:endCxn id="547" idx="0"/>
           </p:cNvCxnSpPr>
           <p:nvPr/>
         </p:nvCxnSpPr>
@@ -44798,7 +45424,7 @@
       </p:cxnSp>
       <p:sp>
         <p:nvSpPr>
-          <p:cNvPr id="548" name="Google Shape;548;p33"/>
+          <p:cNvPr id="549" name="Google Shape;549;p33"/>
           <p:cNvSpPr txBox="1"/>
           <p:nvPr>
             <p:ph idx="4294967295" type="subTitle"/>
@@ -44807,7 +45433,7 @@
         <p:spPr>
           <a:xfrm>
             <a:off x="710125" y="4694725"/>
-            <a:ext cx="4865100" cy="357300"/>
+            <a:ext cx="6121800" cy="357300"/>
           </a:xfrm>
           <a:prstGeom prst="rect">
             <a:avLst/>
@@ -44829,12 +45455,12 @@
               <a:buNone/>
             </a:pPr>
             <a:r>
-              <a:rPr lang="en" sz="1400">
+              <a:rPr lang="en">
                 <a:solidFill>
                   <a:schemeClr val="accent3"/>
                 </a:solidFill>
               </a:rPr>
-              <a:t>Programming Language</a:t>
+              <a:t>VallaTech Summit - Jetpack Compose -  GonzaCS</a:t>
             </a:r>
             <a:endParaRPr sz="1400">
               <a:solidFill>
